--- a/AI_Art_test_podsumowania/08_Prezentacja/Generowanie_wierszy_GPT_2.pptx
+++ b/AI_Art_test_podsumowania/08_Prezentacja/Generowanie_wierszy_GPT_2.pptx
@@ -5,7 +5,7 @@
     <p:sldMasterId id="2147483648" r:id="rId1"/>
   </p:sldMasterIdLst>
   <p:notesMasterIdLst>
-    <p:notesMasterId r:id="rId22"/>
+    <p:notesMasterId r:id="rId23"/>
   </p:notesMasterIdLst>
   <p:sldIdLst>
     <p:sldId id="280" r:id="rId2"/>
@@ -28,6 +28,7 @@
     <p:sldId id="298" r:id="rId19"/>
     <p:sldId id="299" r:id="rId20"/>
     <p:sldId id="300" r:id="rId21"/>
+    <p:sldId id="301" r:id="rId22"/>
   </p:sldIdLst>
   <p:sldSz cx="12192000" cy="6858000"/>
   <p:notesSz cx="6858000" cy="9144000"/>
@@ -128,7 +129,7 @@
   </p:defaultTextStyle>
   <p:extLst>
     <p:ext uri="{EFAFB233-063F-42B5-8137-9DF3F51BA10A}">
-      <p15:sldGuideLst xmlns:p15="http://schemas.microsoft.com/office/powerpoint/2012/main" xmlns=""/>
+      <p15:sldGuideLst xmlns="" xmlns:p15="http://schemas.microsoft.com/office/powerpoint/2012/main"/>
     </p:ext>
   </p:extLst>
 </p:presentation>
@@ -608,7 +609,7 @@
           <p:cNvPr id="2" name="Title 1">
             <a:extLst>
               <a:ext uri="{FF2B5EF4-FFF2-40B4-BE49-F238E27FC236}">
-                <a16:creationId xmlns:a16="http://schemas.microsoft.com/office/drawing/2014/main" xmlns="" id="{771A0BF8-6686-4F02-AB36-9614142B369E}"/>
+                <a16:creationId xmlns="" xmlns:a16="http://schemas.microsoft.com/office/drawing/2014/main" id="{771A0BF8-6686-4F02-AB36-9614142B369E}"/>
               </a:ext>
             </a:extLst>
           </p:cNvPr>
@@ -646,7 +647,7 @@
           <p:cNvPr id="3" name="Subtitle 2">
             <a:extLst>
               <a:ext uri="{FF2B5EF4-FFF2-40B4-BE49-F238E27FC236}">
-                <a16:creationId xmlns:a16="http://schemas.microsoft.com/office/drawing/2014/main" xmlns="" id="{93B406FE-1165-421C-8D35-96F0CFEA6D51}"/>
+                <a16:creationId xmlns="" xmlns:a16="http://schemas.microsoft.com/office/drawing/2014/main" id="{93B406FE-1165-421C-8D35-96F0CFEA6D51}"/>
               </a:ext>
             </a:extLst>
           </p:cNvPr>
@@ -717,7 +718,7 @@
           <p:cNvPr id="4" name="Date Placeholder 3">
             <a:extLst>
               <a:ext uri="{FF2B5EF4-FFF2-40B4-BE49-F238E27FC236}">
-                <a16:creationId xmlns:a16="http://schemas.microsoft.com/office/drawing/2014/main" xmlns="" id="{DA7B22AA-13F6-430C-B5C3-3ED6A1325F28}"/>
+                <a16:creationId xmlns="" xmlns:a16="http://schemas.microsoft.com/office/drawing/2014/main" id="{DA7B22AA-13F6-430C-B5C3-3ED6A1325F28}"/>
               </a:ext>
             </a:extLst>
           </p:cNvPr>
@@ -746,7 +747,7 @@
           <p:cNvPr id="5" name="Footer Placeholder 4">
             <a:extLst>
               <a:ext uri="{FF2B5EF4-FFF2-40B4-BE49-F238E27FC236}">
-                <a16:creationId xmlns:a16="http://schemas.microsoft.com/office/drawing/2014/main" xmlns="" id="{12FB799C-1B8A-42C0-AD53-6DBEF2EC7EF6}"/>
+                <a16:creationId xmlns="" xmlns:a16="http://schemas.microsoft.com/office/drawing/2014/main" id="{12FB799C-1B8A-42C0-AD53-6DBEF2EC7EF6}"/>
               </a:ext>
             </a:extLst>
           </p:cNvPr>
@@ -771,7 +772,7 @@
           <p:cNvPr id="6" name="Slide Number Placeholder 5">
             <a:extLst>
               <a:ext uri="{FF2B5EF4-FFF2-40B4-BE49-F238E27FC236}">
-                <a16:creationId xmlns:a16="http://schemas.microsoft.com/office/drawing/2014/main" xmlns="" id="{8D8C035E-958A-44D5-9920-E77375E90336}"/>
+                <a16:creationId xmlns="" xmlns:a16="http://schemas.microsoft.com/office/drawing/2014/main" id="{8D8C035E-958A-44D5-9920-E77375E90336}"/>
               </a:ext>
             </a:extLst>
           </p:cNvPr>
@@ -830,7 +831,7 @@
           <p:cNvPr id="2" name="Title 1">
             <a:extLst>
               <a:ext uri="{FF2B5EF4-FFF2-40B4-BE49-F238E27FC236}">
-                <a16:creationId xmlns:a16="http://schemas.microsoft.com/office/drawing/2014/main" xmlns="" id="{81BE3A36-A7B5-4AED-90CE-DAABE341C72C}"/>
+                <a16:creationId xmlns="" xmlns:a16="http://schemas.microsoft.com/office/drawing/2014/main" id="{81BE3A36-A7B5-4AED-90CE-DAABE341C72C}"/>
               </a:ext>
             </a:extLst>
           </p:cNvPr>
@@ -859,7 +860,7 @@
           <p:cNvPr id="3" name="Vertical Text Placeholder 2">
             <a:extLst>
               <a:ext uri="{FF2B5EF4-FFF2-40B4-BE49-F238E27FC236}">
-                <a16:creationId xmlns:a16="http://schemas.microsoft.com/office/drawing/2014/main" xmlns="" id="{626DD818-2AC6-4AD8-ADB0-757AE6DE1FE6}"/>
+                <a16:creationId xmlns="" xmlns:a16="http://schemas.microsoft.com/office/drawing/2014/main" id="{626DD818-2AC6-4AD8-ADB0-757AE6DE1FE6}"/>
               </a:ext>
             </a:extLst>
           </p:cNvPr>
@@ -917,7 +918,7 @@
           <p:cNvPr id="4" name="Date Placeholder 3">
             <a:extLst>
               <a:ext uri="{FF2B5EF4-FFF2-40B4-BE49-F238E27FC236}">
-                <a16:creationId xmlns:a16="http://schemas.microsoft.com/office/drawing/2014/main" xmlns="" id="{1AB561BE-2670-413D-B85D-350DC6A08AAC}"/>
+                <a16:creationId xmlns="" xmlns:a16="http://schemas.microsoft.com/office/drawing/2014/main" id="{1AB561BE-2670-413D-B85D-350DC6A08AAC}"/>
               </a:ext>
             </a:extLst>
           </p:cNvPr>
@@ -946,7 +947,7 @@
           <p:cNvPr id="5" name="Footer Placeholder 4">
             <a:extLst>
               <a:ext uri="{FF2B5EF4-FFF2-40B4-BE49-F238E27FC236}">
-                <a16:creationId xmlns:a16="http://schemas.microsoft.com/office/drawing/2014/main" xmlns="" id="{8A7469BC-9B02-4F1D-9332-C52CAA6CD686}"/>
+                <a16:creationId xmlns="" xmlns:a16="http://schemas.microsoft.com/office/drawing/2014/main" id="{8A7469BC-9B02-4F1D-9332-C52CAA6CD686}"/>
               </a:ext>
             </a:extLst>
           </p:cNvPr>
@@ -971,7 +972,7 @@
           <p:cNvPr id="6" name="Slide Number Placeholder 5">
             <a:extLst>
               <a:ext uri="{FF2B5EF4-FFF2-40B4-BE49-F238E27FC236}">
-                <a16:creationId xmlns:a16="http://schemas.microsoft.com/office/drawing/2014/main" xmlns="" id="{B8F37A4D-841D-4B35-BD23-CCB82FC1C5BF}"/>
+                <a16:creationId xmlns="" xmlns:a16="http://schemas.microsoft.com/office/drawing/2014/main" id="{B8F37A4D-841D-4B35-BD23-CCB82FC1C5BF}"/>
               </a:ext>
             </a:extLst>
           </p:cNvPr>
@@ -1030,7 +1031,7 @@
           <p:cNvPr id="2" name="Vertical Title 1">
             <a:extLst>
               <a:ext uri="{FF2B5EF4-FFF2-40B4-BE49-F238E27FC236}">
-                <a16:creationId xmlns:a16="http://schemas.microsoft.com/office/drawing/2014/main" xmlns="" id="{F24028CB-78B2-414A-9948-C32EA4A46C81}"/>
+                <a16:creationId xmlns="" xmlns:a16="http://schemas.microsoft.com/office/drawing/2014/main" id="{F24028CB-78B2-414A-9948-C32EA4A46C81}"/>
               </a:ext>
             </a:extLst>
           </p:cNvPr>
@@ -1064,7 +1065,7 @@
           <p:cNvPr id="3" name="Vertical Text Placeholder 2">
             <a:extLst>
               <a:ext uri="{FF2B5EF4-FFF2-40B4-BE49-F238E27FC236}">
-                <a16:creationId xmlns:a16="http://schemas.microsoft.com/office/drawing/2014/main" xmlns="" id="{852AA2E1-9030-407F-A8FB-98BCFFFDF775}"/>
+                <a16:creationId xmlns="" xmlns:a16="http://schemas.microsoft.com/office/drawing/2014/main" id="{852AA2E1-9030-407F-A8FB-98BCFFFDF775}"/>
               </a:ext>
             </a:extLst>
           </p:cNvPr>
@@ -1127,7 +1128,7 @@
           <p:cNvPr id="4" name="Date Placeholder 3">
             <a:extLst>
               <a:ext uri="{FF2B5EF4-FFF2-40B4-BE49-F238E27FC236}">
-                <a16:creationId xmlns:a16="http://schemas.microsoft.com/office/drawing/2014/main" xmlns="" id="{80722082-BED4-46DC-B1C0-9696140EF480}"/>
+                <a16:creationId xmlns="" xmlns:a16="http://schemas.microsoft.com/office/drawing/2014/main" id="{80722082-BED4-46DC-B1C0-9696140EF480}"/>
               </a:ext>
             </a:extLst>
           </p:cNvPr>
@@ -1156,7 +1157,7 @@
           <p:cNvPr id="5" name="Footer Placeholder 4">
             <a:extLst>
               <a:ext uri="{FF2B5EF4-FFF2-40B4-BE49-F238E27FC236}">
-                <a16:creationId xmlns:a16="http://schemas.microsoft.com/office/drawing/2014/main" xmlns="" id="{F9485038-E165-45A4-8C75-C8A3CA8177EC}"/>
+                <a16:creationId xmlns="" xmlns:a16="http://schemas.microsoft.com/office/drawing/2014/main" id="{F9485038-E165-45A4-8C75-C8A3CA8177EC}"/>
               </a:ext>
             </a:extLst>
           </p:cNvPr>
@@ -1181,7 +1182,7 @@
           <p:cNvPr id="6" name="Slide Number Placeholder 5">
             <a:extLst>
               <a:ext uri="{FF2B5EF4-FFF2-40B4-BE49-F238E27FC236}">
-                <a16:creationId xmlns:a16="http://schemas.microsoft.com/office/drawing/2014/main" xmlns="" id="{C79D7943-C606-446E-B743-3AB1AE587BA9}"/>
+                <a16:creationId xmlns="" xmlns:a16="http://schemas.microsoft.com/office/drawing/2014/main" id="{C79D7943-C606-446E-B743-3AB1AE587BA9}"/>
               </a:ext>
             </a:extLst>
           </p:cNvPr>
@@ -1240,7 +1241,7 @@
           <p:cNvPr id="2" name="Título 1">
             <a:extLst>
               <a:ext uri="{FF2B5EF4-FFF2-40B4-BE49-F238E27FC236}">
-                <a16:creationId xmlns:a16="http://schemas.microsoft.com/office/drawing/2014/main" xmlns="" id="{66B5AEF2-F43E-4C92-A186-61C1E43CE82B}"/>
+                <a16:creationId xmlns="" xmlns:a16="http://schemas.microsoft.com/office/drawing/2014/main" id="{66B5AEF2-F43E-4C92-A186-61C1E43CE82B}"/>
               </a:ext>
             </a:extLst>
           </p:cNvPr>
@@ -1284,7 +1285,7 @@
           <p:cNvPr id="10" name="Marcador de número de diapositiva 5">
             <a:extLst>
               <a:ext uri="{FF2B5EF4-FFF2-40B4-BE49-F238E27FC236}">
-                <a16:creationId xmlns:a16="http://schemas.microsoft.com/office/drawing/2014/main" xmlns="" id="{12E1D636-3017-4CF4-BA5F-3300C668441C}"/>
+                <a16:creationId xmlns="" xmlns:a16="http://schemas.microsoft.com/office/drawing/2014/main" id="{12E1D636-3017-4CF4-BA5F-3300C668441C}"/>
               </a:ext>
             </a:extLst>
           </p:cNvPr>
@@ -1327,7 +1328,7 @@
           <p:cNvPr id="15" name="Marcador de texto 14">
             <a:extLst>
               <a:ext uri="{FF2B5EF4-FFF2-40B4-BE49-F238E27FC236}">
-                <a16:creationId xmlns:a16="http://schemas.microsoft.com/office/drawing/2014/main" xmlns="" id="{05897091-A449-4E0A-B444-7171DF90239A}"/>
+                <a16:creationId xmlns="" xmlns:a16="http://schemas.microsoft.com/office/drawing/2014/main" id="{05897091-A449-4E0A-B444-7171DF90239A}"/>
               </a:ext>
             </a:extLst>
           </p:cNvPr>
@@ -1393,7 +1394,7 @@
           <p:cNvPr id="18" name="Marcador de texto 16">
             <a:extLst>
               <a:ext uri="{FF2B5EF4-FFF2-40B4-BE49-F238E27FC236}">
-                <a16:creationId xmlns:a16="http://schemas.microsoft.com/office/drawing/2014/main" xmlns="" id="{07C8BA77-3119-41AC-B33B-745A751CC066}"/>
+                <a16:creationId xmlns="" xmlns:a16="http://schemas.microsoft.com/office/drawing/2014/main" id="{07C8BA77-3119-41AC-B33B-745A751CC066}"/>
               </a:ext>
             </a:extLst>
           </p:cNvPr>
@@ -1496,7 +1497,7 @@
           <p:cNvPr id="20" name="Marcador de texto 16">
             <a:extLst>
               <a:ext uri="{FF2B5EF4-FFF2-40B4-BE49-F238E27FC236}">
-                <a16:creationId xmlns:a16="http://schemas.microsoft.com/office/drawing/2014/main" xmlns="" id="{81AA2FC0-CE4E-483D-AF92-BEA6CD796B9C}"/>
+                <a16:creationId xmlns="" xmlns:a16="http://schemas.microsoft.com/office/drawing/2014/main" id="{81AA2FC0-CE4E-483D-AF92-BEA6CD796B9C}"/>
               </a:ext>
             </a:extLst>
           </p:cNvPr>
@@ -1599,7 +1600,7 @@
           <p:cNvPr id="8" name="Picture 7">
             <a:extLst>
               <a:ext uri="{FF2B5EF4-FFF2-40B4-BE49-F238E27FC236}">
-                <a16:creationId xmlns:a16="http://schemas.microsoft.com/office/drawing/2014/main" xmlns="" id="{EFCC5AAA-45C8-4D44-BD7A-B425FBD6C469}"/>
+                <a16:creationId xmlns="" xmlns:a16="http://schemas.microsoft.com/office/drawing/2014/main" id="{EFCC5AAA-45C8-4D44-BD7A-B425FBD6C469}"/>
               </a:ext>
             </a:extLst>
           </p:cNvPr>
@@ -1677,7 +1678,7 @@
           <p:cNvPr id="2" name="Title 1">
             <a:extLst>
               <a:ext uri="{FF2B5EF4-FFF2-40B4-BE49-F238E27FC236}">
-                <a16:creationId xmlns:a16="http://schemas.microsoft.com/office/drawing/2014/main" xmlns="" id="{F1628C7A-67F3-4CAD-9852-569FF656AD4E}"/>
+                <a16:creationId xmlns="" xmlns:a16="http://schemas.microsoft.com/office/drawing/2014/main" id="{F1628C7A-67F3-4CAD-9852-569FF656AD4E}"/>
               </a:ext>
             </a:extLst>
           </p:cNvPr>
@@ -1706,7 +1707,7 @@
           <p:cNvPr id="3" name="Content Placeholder 2">
             <a:extLst>
               <a:ext uri="{FF2B5EF4-FFF2-40B4-BE49-F238E27FC236}">
-                <a16:creationId xmlns:a16="http://schemas.microsoft.com/office/drawing/2014/main" xmlns="" id="{1D1E717F-25DD-4AF6-8E4C-C3F0B7258767}"/>
+                <a16:creationId xmlns="" xmlns:a16="http://schemas.microsoft.com/office/drawing/2014/main" id="{1D1E717F-25DD-4AF6-8E4C-C3F0B7258767}"/>
               </a:ext>
             </a:extLst>
           </p:cNvPr>
@@ -1764,7 +1765,7 @@
           <p:cNvPr id="4" name="Date Placeholder 3">
             <a:extLst>
               <a:ext uri="{FF2B5EF4-FFF2-40B4-BE49-F238E27FC236}">
-                <a16:creationId xmlns:a16="http://schemas.microsoft.com/office/drawing/2014/main" xmlns="" id="{5EB9BF79-C6C8-4A28-B317-36AB52011BBD}"/>
+                <a16:creationId xmlns="" xmlns:a16="http://schemas.microsoft.com/office/drawing/2014/main" id="{5EB9BF79-C6C8-4A28-B317-36AB52011BBD}"/>
               </a:ext>
             </a:extLst>
           </p:cNvPr>
@@ -1793,7 +1794,7 @@
           <p:cNvPr id="5" name="Footer Placeholder 4">
             <a:extLst>
               <a:ext uri="{FF2B5EF4-FFF2-40B4-BE49-F238E27FC236}">
-                <a16:creationId xmlns:a16="http://schemas.microsoft.com/office/drawing/2014/main" xmlns="" id="{A052C1D1-F1BF-42DD-A7C6-2ED272DF8AF6}"/>
+                <a16:creationId xmlns="" xmlns:a16="http://schemas.microsoft.com/office/drawing/2014/main" id="{A052C1D1-F1BF-42DD-A7C6-2ED272DF8AF6}"/>
               </a:ext>
             </a:extLst>
           </p:cNvPr>
@@ -1818,7 +1819,7 @@
           <p:cNvPr id="6" name="Slide Number Placeholder 5">
             <a:extLst>
               <a:ext uri="{FF2B5EF4-FFF2-40B4-BE49-F238E27FC236}">
-                <a16:creationId xmlns:a16="http://schemas.microsoft.com/office/drawing/2014/main" xmlns="" id="{B05916BF-016F-4056-985B-466516E68445}"/>
+                <a16:creationId xmlns="" xmlns:a16="http://schemas.microsoft.com/office/drawing/2014/main" id="{B05916BF-016F-4056-985B-466516E68445}"/>
               </a:ext>
             </a:extLst>
           </p:cNvPr>
@@ -1877,7 +1878,7 @@
           <p:cNvPr id="2" name="Title 1">
             <a:extLst>
               <a:ext uri="{FF2B5EF4-FFF2-40B4-BE49-F238E27FC236}">
-                <a16:creationId xmlns:a16="http://schemas.microsoft.com/office/drawing/2014/main" xmlns="" id="{A39FAECB-6827-4D91-8EB5-800DD8EA28F3}"/>
+                <a16:creationId xmlns="" xmlns:a16="http://schemas.microsoft.com/office/drawing/2014/main" id="{A39FAECB-6827-4D91-8EB5-800DD8EA28F3}"/>
               </a:ext>
             </a:extLst>
           </p:cNvPr>
@@ -1915,7 +1916,7 @@
           <p:cNvPr id="3" name="Text Placeholder 2">
             <a:extLst>
               <a:ext uri="{FF2B5EF4-FFF2-40B4-BE49-F238E27FC236}">
-                <a16:creationId xmlns:a16="http://schemas.microsoft.com/office/drawing/2014/main" xmlns="" id="{73CEBD6D-8344-4937-9A0D-E2DBE531B3F1}"/>
+                <a16:creationId xmlns="" xmlns:a16="http://schemas.microsoft.com/office/drawing/2014/main" id="{73CEBD6D-8344-4937-9A0D-E2DBE531B3F1}"/>
               </a:ext>
             </a:extLst>
           </p:cNvPr>
@@ -2040,7 +2041,7 @@
           <p:cNvPr id="4" name="Date Placeholder 3">
             <a:extLst>
               <a:ext uri="{FF2B5EF4-FFF2-40B4-BE49-F238E27FC236}">
-                <a16:creationId xmlns:a16="http://schemas.microsoft.com/office/drawing/2014/main" xmlns="" id="{40598055-7F4B-4E57-92A1-C43CE07ED7D1}"/>
+                <a16:creationId xmlns="" xmlns:a16="http://schemas.microsoft.com/office/drawing/2014/main" id="{40598055-7F4B-4E57-92A1-C43CE07ED7D1}"/>
               </a:ext>
             </a:extLst>
           </p:cNvPr>
@@ -2069,7 +2070,7 @@
           <p:cNvPr id="5" name="Footer Placeholder 4">
             <a:extLst>
               <a:ext uri="{FF2B5EF4-FFF2-40B4-BE49-F238E27FC236}">
-                <a16:creationId xmlns:a16="http://schemas.microsoft.com/office/drawing/2014/main" xmlns="" id="{0BC8293C-337A-46B9-801C-405BA28F919C}"/>
+                <a16:creationId xmlns="" xmlns:a16="http://schemas.microsoft.com/office/drawing/2014/main" id="{0BC8293C-337A-46B9-801C-405BA28F919C}"/>
               </a:ext>
             </a:extLst>
           </p:cNvPr>
@@ -2094,7 +2095,7 @@
           <p:cNvPr id="6" name="Slide Number Placeholder 5">
             <a:extLst>
               <a:ext uri="{FF2B5EF4-FFF2-40B4-BE49-F238E27FC236}">
-                <a16:creationId xmlns:a16="http://schemas.microsoft.com/office/drawing/2014/main" xmlns="" id="{77FE3A87-6EF6-4E32-958D-D3BDE968EC61}"/>
+                <a16:creationId xmlns="" xmlns:a16="http://schemas.microsoft.com/office/drawing/2014/main" id="{77FE3A87-6EF6-4E32-958D-D3BDE968EC61}"/>
               </a:ext>
             </a:extLst>
           </p:cNvPr>
@@ -2153,7 +2154,7 @@
           <p:cNvPr id="2" name="Title 1">
             <a:extLst>
               <a:ext uri="{FF2B5EF4-FFF2-40B4-BE49-F238E27FC236}">
-                <a16:creationId xmlns:a16="http://schemas.microsoft.com/office/drawing/2014/main" xmlns="" id="{439C1E4F-8411-4152-A040-45E4E38D465B}"/>
+                <a16:creationId xmlns="" xmlns:a16="http://schemas.microsoft.com/office/drawing/2014/main" id="{439C1E4F-8411-4152-A040-45E4E38D465B}"/>
               </a:ext>
             </a:extLst>
           </p:cNvPr>
@@ -2182,7 +2183,7 @@
           <p:cNvPr id="3" name="Content Placeholder 2">
             <a:extLst>
               <a:ext uri="{FF2B5EF4-FFF2-40B4-BE49-F238E27FC236}">
-                <a16:creationId xmlns:a16="http://schemas.microsoft.com/office/drawing/2014/main" xmlns="" id="{0C93C882-D441-40BC-AAB7-FB3EF79F6F5C}"/>
+                <a16:creationId xmlns="" xmlns:a16="http://schemas.microsoft.com/office/drawing/2014/main" id="{0C93C882-D441-40BC-AAB7-FB3EF79F6F5C}"/>
               </a:ext>
             </a:extLst>
           </p:cNvPr>
@@ -2245,7 +2246,7 @@
           <p:cNvPr id="4" name="Content Placeholder 3">
             <a:extLst>
               <a:ext uri="{FF2B5EF4-FFF2-40B4-BE49-F238E27FC236}">
-                <a16:creationId xmlns:a16="http://schemas.microsoft.com/office/drawing/2014/main" xmlns="" id="{880FF742-A50B-4EB6-86AE-E67F120A5B68}"/>
+                <a16:creationId xmlns="" xmlns:a16="http://schemas.microsoft.com/office/drawing/2014/main" id="{880FF742-A50B-4EB6-86AE-E67F120A5B68}"/>
               </a:ext>
             </a:extLst>
           </p:cNvPr>
@@ -2308,7 +2309,7 @@
           <p:cNvPr id="5" name="Date Placeholder 4">
             <a:extLst>
               <a:ext uri="{FF2B5EF4-FFF2-40B4-BE49-F238E27FC236}">
-                <a16:creationId xmlns:a16="http://schemas.microsoft.com/office/drawing/2014/main" xmlns="" id="{5ACB9172-F4DE-4657-A074-EF8778EE7E7D}"/>
+                <a16:creationId xmlns="" xmlns:a16="http://schemas.microsoft.com/office/drawing/2014/main" id="{5ACB9172-F4DE-4657-A074-EF8778EE7E7D}"/>
               </a:ext>
             </a:extLst>
           </p:cNvPr>
@@ -2337,7 +2338,7 @@
           <p:cNvPr id="6" name="Footer Placeholder 5">
             <a:extLst>
               <a:ext uri="{FF2B5EF4-FFF2-40B4-BE49-F238E27FC236}">
-                <a16:creationId xmlns:a16="http://schemas.microsoft.com/office/drawing/2014/main" xmlns="" id="{77507DBE-C8F7-423C-9124-EE7B3D22E368}"/>
+                <a16:creationId xmlns="" xmlns:a16="http://schemas.microsoft.com/office/drawing/2014/main" id="{77507DBE-C8F7-423C-9124-EE7B3D22E368}"/>
               </a:ext>
             </a:extLst>
           </p:cNvPr>
@@ -2362,7 +2363,7 @@
           <p:cNvPr id="7" name="Slide Number Placeholder 6">
             <a:extLst>
               <a:ext uri="{FF2B5EF4-FFF2-40B4-BE49-F238E27FC236}">
-                <a16:creationId xmlns:a16="http://schemas.microsoft.com/office/drawing/2014/main" xmlns="" id="{D881AC0B-71D5-43A5-AD86-9668B4D92263}"/>
+                <a16:creationId xmlns="" xmlns:a16="http://schemas.microsoft.com/office/drawing/2014/main" id="{D881AC0B-71D5-43A5-AD86-9668B4D92263}"/>
               </a:ext>
             </a:extLst>
           </p:cNvPr>
@@ -2421,7 +2422,7 @@
           <p:cNvPr id="2" name="Title 1">
             <a:extLst>
               <a:ext uri="{FF2B5EF4-FFF2-40B4-BE49-F238E27FC236}">
-                <a16:creationId xmlns:a16="http://schemas.microsoft.com/office/drawing/2014/main" xmlns="" id="{18C204D3-549C-4770-B620-7E3D4678A946}"/>
+                <a16:creationId xmlns="" xmlns:a16="http://schemas.microsoft.com/office/drawing/2014/main" id="{18C204D3-549C-4770-B620-7E3D4678A946}"/>
               </a:ext>
             </a:extLst>
           </p:cNvPr>
@@ -2455,7 +2456,7 @@
           <p:cNvPr id="3" name="Text Placeholder 2">
             <a:extLst>
               <a:ext uri="{FF2B5EF4-FFF2-40B4-BE49-F238E27FC236}">
-                <a16:creationId xmlns:a16="http://schemas.microsoft.com/office/drawing/2014/main" xmlns="" id="{54306D22-9474-474E-A4DD-36D304E57648}"/>
+                <a16:creationId xmlns="" xmlns:a16="http://schemas.microsoft.com/office/drawing/2014/main" id="{54306D22-9474-474E-A4DD-36D304E57648}"/>
               </a:ext>
             </a:extLst>
           </p:cNvPr>
@@ -2526,7 +2527,7 @@
           <p:cNvPr id="4" name="Content Placeholder 3">
             <a:extLst>
               <a:ext uri="{FF2B5EF4-FFF2-40B4-BE49-F238E27FC236}">
-                <a16:creationId xmlns:a16="http://schemas.microsoft.com/office/drawing/2014/main" xmlns="" id="{AD9ED9F3-E75B-4CB6-9C20-44656AF0159D}"/>
+                <a16:creationId xmlns="" xmlns:a16="http://schemas.microsoft.com/office/drawing/2014/main" id="{AD9ED9F3-E75B-4CB6-9C20-44656AF0159D}"/>
               </a:ext>
             </a:extLst>
           </p:cNvPr>
@@ -2589,7 +2590,7 @@
           <p:cNvPr id="5" name="Text Placeholder 4">
             <a:extLst>
               <a:ext uri="{FF2B5EF4-FFF2-40B4-BE49-F238E27FC236}">
-                <a16:creationId xmlns:a16="http://schemas.microsoft.com/office/drawing/2014/main" xmlns="" id="{82AB8604-4E78-4EF6-AF81-B832751C756A}"/>
+                <a16:creationId xmlns="" xmlns:a16="http://schemas.microsoft.com/office/drawing/2014/main" id="{82AB8604-4E78-4EF6-AF81-B832751C756A}"/>
               </a:ext>
             </a:extLst>
           </p:cNvPr>
@@ -2660,7 +2661,7 @@
           <p:cNvPr id="6" name="Content Placeholder 5">
             <a:extLst>
               <a:ext uri="{FF2B5EF4-FFF2-40B4-BE49-F238E27FC236}">
-                <a16:creationId xmlns:a16="http://schemas.microsoft.com/office/drawing/2014/main" xmlns="" id="{14C7266C-4F95-4B63-B8A4-5D430A6FCB51}"/>
+                <a16:creationId xmlns="" xmlns:a16="http://schemas.microsoft.com/office/drawing/2014/main" id="{14C7266C-4F95-4B63-B8A4-5D430A6FCB51}"/>
               </a:ext>
             </a:extLst>
           </p:cNvPr>
@@ -2723,7 +2724,7 @@
           <p:cNvPr id="7" name="Date Placeholder 6">
             <a:extLst>
               <a:ext uri="{FF2B5EF4-FFF2-40B4-BE49-F238E27FC236}">
-                <a16:creationId xmlns:a16="http://schemas.microsoft.com/office/drawing/2014/main" xmlns="" id="{8DA605C0-AC58-49C3-BFDA-E7ADCFC7B8CA}"/>
+                <a16:creationId xmlns="" xmlns:a16="http://schemas.microsoft.com/office/drawing/2014/main" id="{8DA605C0-AC58-49C3-BFDA-E7ADCFC7B8CA}"/>
               </a:ext>
             </a:extLst>
           </p:cNvPr>
@@ -2752,7 +2753,7 @@
           <p:cNvPr id="8" name="Footer Placeholder 7">
             <a:extLst>
               <a:ext uri="{FF2B5EF4-FFF2-40B4-BE49-F238E27FC236}">
-                <a16:creationId xmlns:a16="http://schemas.microsoft.com/office/drawing/2014/main" xmlns="" id="{A8CDB99B-8E2F-47DA-B6C3-50842D8C3DD2}"/>
+                <a16:creationId xmlns="" xmlns:a16="http://schemas.microsoft.com/office/drawing/2014/main" id="{A8CDB99B-8E2F-47DA-B6C3-50842D8C3DD2}"/>
               </a:ext>
             </a:extLst>
           </p:cNvPr>
@@ -2777,7 +2778,7 @@
           <p:cNvPr id="9" name="Slide Number Placeholder 8">
             <a:extLst>
               <a:ext uri="{FF2B5EF4-FFF2-40B4-BE49-F238E27FC236}">
-                <a16:creationId xmlns:a16="http://schemas.microsoft.com/office/drawing/2014/main" xmlns="" id="{900ACA83-753D-4AEE-B568-755DCF5ED7F7}"/>
+                <a16:creationId xmlns="" xmlns:a16="http://schemas.microsoft.com/office/drawing/2014/main" id="{900ACA83-753D-4AEE-B568-755DCF5ED7F7}"/>
               </a:ext>
             </a:extLst>
           </p:cNvPr>
@@ -2836,7 +2837,7 @@
           <p:cNvPr id="2" name="Title 1">
             <a:extLst>
               <a:ext uri="{FF2B5EF4-FFF2-40B4-BE49-F238E27FC236}">
-                <a16:creationId xmlns:a16="http://schemas.microsoft.com/office/drawing/2014/main" xmlns="" id="{80738EDC-8D44-427B-90E0-FBD0FBAC9691}"/>
+                <a16:creationId xmlns="" xmlns:a16="http://schemas.microsoft.com/office/drawing/2014/main" id="{80738EDC-8D44-427B-90E0-FBD0FBAC9691}"/>
               </a:ext>
             </a:extLst>
           </p:cNvPr>
@@ -2865,7 +2866,7 @@
           <p:cNvPr id="3" name="Date Placeholder 2">
             <a:extLst>
               <a:ext uri="{FF2B5EF4-FFF2-40B4-BE49-F238E27FC236}">
-                <a16:creationId xmlns:a16="http://schemas.microsoft.com/office/drawing/2014/main" xmlns="" id="{A8AE544B-A36F-473A-86AF-50F02429182D}"/>
+                <a16:creationId xmlns="" xmlns:a16="http://schemas.microsoft.com/office/drawing/2014/main" id="{A8AE544B-A36F-473A-86AF-50F02429182D}"/>
               </a:ext>
             </a:extLst>
           </p:cNvPr>
@@ -2894,7 +2895,7 @@
           <p:cNvPr id="4" name="Footer Placeholder 3">
             <a:extLst>
               <a:ext uri="{FF2B5EF4-FFF2-40B4-BE49-F238E27FC236}">
-                <a16:creationId xmlns:a16="http://schemas.microsoft.com/office/drawing/2014/main" xmlns="" id="{3E6F2748-531A-4318-A370-27EDE490E8C2}"/>
+                <a16:creationId xmlns="" xmlns:a16="http://schemas.microsoft.com/office/drawing/2014/main" id="{3E6F2748-531A-4318-A370-27EDE490E8C2}"/>
               </a:ext>
             </a:extLst>
           </p:cNvPr>
@@ -2919,7 +2920,7 @@
           <p:cNvPr id="5" name="Slide Number Placeholder 4">
             <a:extLst>
               <a:ext uri="{FF2B5EF4-FFF2-40B4-BE49-F238E27FC236}">
-                <a16:creationId xmlns:a16="http://schemas.microsoft.com/office/drawing/2014/main" xmlns="" id="{A5AD6E57-F20B-43D2-A268-2449E7D4ADF8}"/>
+                <a16:creationId xmlns="" xmlns:a16="http://schemas.microsoft.com/office/drawing/2014/main" id="{A5AD6E57-F20B-43D2-A268-2449E7D4ADF8}"/>
               </a:ext>
             </a:extLst>
           </p:cNvPr>
@@ -2978,7 +2979,7 @@
           <p:cNvPr id="2" name="Date Placeholder 1">
             <a:extLst>
               <a:ext uri="{FF2B5EF4-FFF2-40B4-BE49-F238E27FC236}">
-                <a16:creationId xmlns:a16="http://schemas.microsoft.com/office/drawing/2014/main" xmlns="" id="{CCEC2F6E-BB8D-4A07-B873-A379FEAE4F53}"/>
+                <a16:creationId xmlns="" xmlns:a16="http://schemas.microsoft.com/office/drawing/2014/main" id="{CCEC2F6E-BB8D-4A07-B873-A379FEAE4F53}"/>
               </a:ext>
             </a:extLst>
           </p:cNvPr>
@@ -3007,7 +3008,7 @@
           <p:cNvPr id="3" name="Footer Placeholder 2">
             <a:extLst>
               <a:ext uri="{FF2B5EF4-FFF2-40B4-BE49-F238E27FC236}">
-                <a16:creationId xmlns:a16="http://schemas.microsoft.com/office/drawing/2014/main" xmlns="" id="{29C64672-2E28-45BB-AB1E-9CA10E90883B}"/>
+                <a16:creationId xmlns="" xmlns:a16="http://schemas.microsoft.com/office/drawing/2014/main" id="{29C64672-2E28-45BB-AB1E-9CA10E90883B}"/>
               </a:ext>
             </a:extLst>
           </p:cNvPr>
@@ -3032,7 +3033,7 @@
           <p:cNvPr id="4" name="Slide Number Placeholder 3">
             <a:extLst>
               <a:ext uri="{FF2B5EF4-FFF2-40B4-BE49-F238E27FC236}">
-                <a16:creationId xmlns:a16="http://schemas.microsoft.com/office/drawing/2014/main" xmlns="" id="{433CCF35-5028-4E4D-8F6E-2E2DF0FB4299}"/>
+                <a16:creationId xmlns="" xmlns:a16="http://schemas.microsoft.com/office/drawing/2014/main" id="{433CCF35-5028-4E4D-8F6E-2E2DF0FB4299}"/>
               </a:ext>
             </a:extLst>
           </p:cNvPr>
@@ -3091,7 +3092,7 @@
           <p:cNvPr id="2" name="Title 1">
             <a:extLst>
               <a:ext uri="{FF2B5EF4-FFF2-40B4-BE49-F238E27FC236}">
-                <a16:creationId xmlns:a16="http://schemas.microsoft.com/office/drawing/2014/main" xmlns="" id="{4760471D-7A64-4A50-B9A6-0F3A78088AB3}"/>
+                <a16:creationId xmlns="" xmlns:a16="http://schemas.microsoft.com/office/drawing/2014/main" id="{4760471D-7A64-4A50-B9A6-0F3A78088AB3}"/>
               </a:ext>
             </a:extLst>
           </p:cNvPr>
@@ -3129,7 +3130,7 @@
           <p:cNvPr id="3" name="Content Placeholder 2">
             <a:extLst>
               <a:ext uri="{FF2B5EF4-FFF2-40B4-BE49-F238E27FC236}">
-                <a16:creationId xmlns:a16="http://schemas.microsoft.com/office/drawing/2014/main" xmlns="" id="{C16427B1-871E-4C56-AF97-3F78ADBFA9C8}"/>
+                <a16:creationId xmlns="" xmlns:a16="http://schemas.microsoft.com/office/drawing/2014/main" id="{C16427B1-871E-4C56-AF97-3F78ADBFA9C8}"/>
               </a:ext>
             </a:extLst>
           </p:cNvPr>
@@ -3220,7 +3221,7 @@
           <p:cNvPr id="4" name="Text Placeholder 3">
             <a:extLst>
               <a:ext uri="{FF2B5EF4-FFF2-40B4-BE49-F238E27FC236}">
-                <a16:creationId xmlns:a16="http://schemas.microsoft.com/office/drawing/2014/main" xmlns="" id="{6CF52702-EC0A-4FBA-9939-DCF10E412D80}"/>
+                <a16:creationId xmlns="" xmlns:a16="http://schemas.microsoft.com/office/drawing/2014/main" id="{6CF52702-EC0A-4FBA-9939-DCF10E412D80}"/>
               </a:ext>
             </a:extLst>
           </p:cNvPr>
@@ -3291,7 +3292,7 @@
           <p:cNvPr id="5" name="Date Placeholder 4">
             <a:extLst>
               <a:ext uri="{FF2B5EF4-FFF2-40B4-BE49-F238E27FC236}">
-                <a16:creationId xmlns:a16="http://schemas.microsoft.com/office/drawing/2014/main" xmlns="" id="{A1EDDBB8-93FE-4585-A97D-0E391EE246F7}"/>
+                <a16:creationId xmlns="" xmlns:a16="http://schemas.microsoft.com/office/drawing/2014/main" id="{A1EDDBB8-93FE-4585-A97D-0E391EE246F7}"/>
               </a:ext>
             </a:extLst>
           </p:cNvPr>
@@ -3320,7 +3321,7 @@
           <p:cNvPr id="6" name="Footer Placeholder 5">
             <a:extLst>
               <a:ext uri="{FF2B5EF4-FFF2-40B4-BE49-F238E27FC236}">
-                <a16:creationId xmlns:a16="http://schemas.microsoft.com/office/drawing/2014/main" xmlns="" id="{2CB77A2A-D97D-4B06-A029-77A3A88DA3E4}"/>
+                <a16:creationId xmlns="" xmlns:a16="http://schemas.microsoft.com/office/drawing/2014/main" id="{2CB77A2A-D97D-4B06-A029-77A3A88DA3E4}"/>
               </a:ext>
             </a:extLst>
           </p:cNvPr>
@@ -3345,7 +3346,7 @@
           <p:cNvPr id="7" name="Slide Number Placeholder 6">
             <a:extLst>
               <a:ext uri="{FF2B5EF4-FFF2-40B4-BE49-F238E27FC236}">
-                <a16:creationId xmlns:a16="http://schemas.microsoft.com/office/drawing/2014/main" xmlns="" id="{9BF4E011-48A8-486A-BF53-E7C085173F29}"/>
+                <a16:creationId xmlns="" xmlns:a16="http://schemas.microsoft.com/office/drawing/2014/main" id="{9BF4E011-48A8-486A-BF53-E7C085173F29}"/>
               </a:ext>
             </a:extLst>
           </p:cNvPr>
@@ -3404,7 +3405,7 @@
           <p:cNvPr id="2" name="Title 1">
             <a:extLst>
               <a:ext uri="{FF2B5EF4-FFF2-40B4-BE49-F238E27FC236}">
-                <a16:creationId xmlns:a16="http://schemas.microsoft.com/office/drawing/2014/main" xmlns="" id="{C8EA2B76-0D50-4AE7-8E70-B69B2F112A49}"/>
+                <a16:creationId xmlns="" xmlns:a16="http://schemas.microsoft.com/office/drawing/2014/main" id="{C8EA2B76-0D50-4AE7-8E70-B69B2F112A49}"/>
               </a:ext>
             </a:extLst>
           </p:cNvPr>
@@ -3442,7 +3443,7 @@
           <p:cNvPr id="3" name="Picture Placeholder 2">
             <a:extLst>
               <a:ext uri="{FF2B5EF4-FFF2-40B4-BE49-F238E27FC236}">
-                <a16:creationId xmlns:a16="http://schemas.microsoft.com/office/drawing/2014/main" xmlns="" id="{6E700288-1A1C-45A8-B99A-68E661D708A9}"/>
+                <a16:creationId xmlns="" xmlns:a16="http://schemas.microsoft.com/office/drawing/2014/main" id="{6E700288-1A1C-45A8-B99A-68E661D708A9}"/>
               </a:ext>
             </a:extLst>
           </p:cNvPr>
@@ -3509,7 +3510,7 @@
           <p:cNvPr id="4" name="Text Placeholder 3">
             <a:extLst>
               <a:ext uri="{FF2B5EF4-FFF2-40B4-BE49-F238E27FC236}">
-                <a16:creationId xmlns:a16="http://schemas.microsoft.com/office/drawing/2014/main" xmlns="" id="{C8D19D42-4449-4938-BE9F-F8A026382E85}"/>
+                <a16:creationId xmlns="" xmlns:a16="http://schemas.microsoft.com/office/drawing/2014/main" id="{C8D19D42-4449-4938-BE9F-F8A026382E85}"/>
               </a:ext>
             </a:extLst>
           </p:cNvPr>
@@ -3580,7 +3581,7 @@
           <p:cNvPr id="5" name="Date Placeholder 4">
             <a:extLst>
               <a:ext uri="{FF2B5EF4-FFF2-40B4-BE49-F238E27FC236}">
-                <a16:creationId xmlns:a16="http://schemas.microsoft.com/office/drawing/2014/main" xmlns="" id="{715CB693-3AD5-4FB5-9BD7-DDA6EA895AA0}"/>
+                <a16:creationId xmlns="" xmlns:a16="http://schemas.microsoft.com/office/drawing/2014/main" id="{715CB693-3AD5-4FB5-9BD7-DDA6EA895AA0}"/>
               </a:ext>
             </a:extLst>
           </p:cNvPr>
@@ -3609,7 +3610,7 @@
           <p:cNvPr id="6" name="Footer Placeholder 5">
             <a:extLst>
               <a:ext uri="{FF2B5EF4-FFF2-40B4-BE49-F238E27FC236}">
-                <a16:creationId xmlns:a16="http://schemas.microsoft.com/office/drawing/2014/main" xmlns="" id="{BB28CAAB-378F-4646-836D-6723AF22695B}"/>
+                <a16:creationId xmlns="" xmlns:a16="http://schemas.microsoft.com/office/drawing/2014/main" id="{BB28CAAB-378F-4646-836D-6723AF22695B}"/>
               </a:ext>
             </a:extLst>
           </p:cNvPr>
@@ -3634,7 +3635,7 @@
           <p:cNvPr id="7" name="Slide Number Placeholder 6">
             <a:extLst>
               <a:ext uri="{FF2B5EF4-FFF2-40B4-BE49-F238E27FC236}">
-                <a16:creationId xmlns:a16="http://schemas.microsoft.com/office/drawing/2014/main" xmlns="" id="{E08A5F22-2F00-4B7E-95E3-D4E37EE6F9BD}"/>
+                <a16:creationId xmlns="" xmlns:a16="http://schemas.microsoft.com/office/drawing/2014/main" id="{E08A5F22-2F00-4B7E-95E3-D4E37EE6F9BD}"/>
               </a:ext>
             </a:extLst>
           </p:cNvPr>
@@ -3698,7 +3699,7 @@
           <p:cNvPr id="2" name="Title Placeholder 1">
             <a:extLst>
               <a:ext uri="{FF2B5EF4-FFF2-40B4-BE49-F238E27FC236}">
-                <a16:creationId xmlns:a16="http://schemas.microsoft.com/office/drawing/2014/main" xmlns="" id="{EC73493B-E27E-4DC0-A41A-7E254FDDD4F9}"/>
+                <a16:creationId xmlns="" xmlns:a16="http://schemas.microsoft.com/office/drawing/2014/main" id="{EC73493B-E27E-4DC0-A41A-7E254FDDD4F9}"/>
               </a:ext>
             </a:extLst>
           </p:cNvPr>
@@ -3737,7 +3738,7 @@
           <p:cNvPr id="3" name="Text Placeholder 2">
             <a:extLst>
               <a:ext uri="{FF2B5EF4-FFF2-40B4-BE49-F238E27FC236}">
-                <a16:creationId xmlns:a16="http://schemas.microsoft.com/office/drawing/2014/main" xmlns="" id="{6B619A8B-408B-4DCB-AC39-AC640BF8562E}"/>
+                <a16:creationId xmlns="" xmlns:a16="http://schemas.microsoft.com/office/drawing/2014/main" id="{6B619A8B-408B-4DCB-AC39-AC640BF8562E}"/>
               </a:ext>
             </a:extLst>
           </p:cNvPr>
@@ -3805,7 +3806,7 @@
           <p:cNvPr id="4" name="Date Placeholder 3">
             <a:extLst>
               <a:ext uri="{FF2B5EF4-FFF2-40B4-BE49-F238E27FC236}">
-                <a16:creationId xmlns:a16="http://schemas.microsoft.com/office/drawing/2014/main" xmlns="" id="{A4A87CC5-FBB1-4FE5-893F-7BD071C75E09}"/>
+                <a16:creationId xmlns="" xmlns:a16="http://schemas.microsoft.com/office/drawing/2014/main" id="{A4A87CC5-FBB1-4FE5-893F-7BD071C75E09}"/>
               </a:ext>
             </a:extLst>
           </p:cNvPr>
@@ -3852,7 +3853,7 @@
           <p:cNvPr id="5" name="Footer Placeholder 4">
             <a:extLst>
               <a:ext uri="{FF2B5EF4-FFF2-40B4-BE49-F238E27FC236}">
-                <a16:creationId xmlns:a16="http://schemas.microsoft.com/office/drawing/2014/main" xmlns="" id="{068E1BCB-E2F2-4D1B-BCFC-521169C8EA83}"/>
+                <a16:creationId xmlns="" xmlns:a16="http://schemas.microsoft.com/office/drawing/2014/main" id="{068E1BCB-E2F2-4D1B-BCFC-521169C8EA83}"/>
               </a:ext>
             </a:extLst>
           </p:cNvPr>
@@ -3895,7 +3896,7 @@
           <p:cNvPr id="6" name="Slide Number Placeholder 5">
             <a:extLst>
               <a:ext uri="{FF2B5EF4-FFF2-40B4-BE49-F238E27FC236}">
-                <a16:creationId xmlns:a16="http://schemas.microsoft.com/office/drawing/2014/main" xmlns="" id="{E111173B-B48E-4DCF-8715-580539054913}"/>
+                <a16:creationId xmlns="" xmlns:a16="http://schemas.microsoft.com/office/drawing/2014/main" id="{E111173B-B48E-4DCF-8715-580539054913}"/>
               </a:ext>
             </a:extLst>
           </p:cNvPr>
@@ -4264,7 +4265,7 @@
           <p:cNvPr id="22" name="TextBox 21">
             <a:extLst>
               <a:ext uri="{FF2B5EF4-FFF2-40B4-BE49-F238E27FC236}">
-                <a16:creationId xmlns="" xmlns:a16="http://schemas.microsoft.com/office/drawing/2014/main" id="{6901F867-EA3A-4053-BC23-44561238D953}"/>
+                <a16:creationId xmlns:a16="http://schemas.microsoft.com/office/drawing/2014/main" xmlns="" id="{6901F867-EA3A-4053-BC23-44561238D953}"/>
               </a:ext>
             </a:extLst>
           </p:cNvPr>
@@ -4361,7 +4362,7 @@
           <p:cNvPr id="5" name="Straight Connector 4">
             <a:extLst>
               <a:ext uri="{FF2B5EF4-FFF2-40B4-BE49-F238E27FC236}">
-                <a16:creationId xmlns="" xmlns:a16="http://schemas.microsoft.com/office/drawing/2014/main" id="{1E86588C-F5E3-4817-8552-6D3332A56E63}"/>
+                <a16:creationId xmlns:a16="http://schemas.microsoft.com/office/drawing/2014/main" xmlns="" id="{1E86588C-F5E3-4817-8552-6D3332A56E63}"/>
               </a:ext>
             </a:extLst>
           </p:cNvPr>
@@ -4404,7 +4405,7 @@
           <p:cNvPr id="34" name="Group 33">
             <a:extLst>
               <a:ext uri="{FF2B5EF4-FFF2-40B4-BE49-F238E27FC236}">
-                <a16:creationId xmlns="" xmlns:a16="http://schemas.microsoft.com/office/drawing/2014/main" id="{E1066A9F-64AE-4E5E-ACEE-7BFBCAE6518C}"/>
+                <a16:creationId xmlns:a16="http://schemas.microsoft.com/office/drawing/2014/main" xmlns="" id="{E1066A9F-64AE-4E5E-ACEE-7BFBCAE6518C}"/>
               </a:ext>
             </a:extLst>
           </p:cNvPr>
@@ -4427,7 +4428,7 @@
             <p:cNvPr id="113" name="Group 112">
               <a:extLst>
                 <a:ext uri="{FF2B5EF4-FFF2-40B4-BE49-F238E27FC236}">
-                  <a16:creationId xmlns="" xmlns:a16="http://schemas.microsoft.com/office/drawing/2014/main" id="{4A8B7D09-CCCB-41E2-8742-A3BB533C4FBB}"/>
+                  <a16:creationId xmlns:a16="http://schemas.microsoft.com/office/drawing/2014/main" xmlns="" id="{4A8B7D09-CCCB-41E2-8742-A3BB533C4FBB}"/>
                 </a:ext>
               </a:extLst>
             </p:cNvPr>
@@ -4448,7 +4449,7 @@
               <p:cNvPr id="114" name="Freeform 5">
                 <a:extLst>
                   <a:ext uri="{FF2B5EF4-FFF2-40B4-BE49-F238E27FC236}">
-                    <a16:creationId xmlns="" xmlns:a16="http://schemas.microsoft.com/office/drawing/2014/main" id="{1E5C5691-723F-4A70-B2E5-F3CC76ED87F4}"/>
+                    <a16:creationId xmlns:a16="http://schemas.microsoft.com/office/drawing/2014/main" xmlns="" id="{1E5C5691-723F-4A70-B2E5-F3CC76ED87F4}"/>
                   </a:ext>
                 </a:extLst>
               </p:cNvPr>
@@ -4901,7 +4902,7 @@
               <p:cNvPr id="115" name="Freeform 6">
                 <a:extLst>
                   <a:ext uri="{FF2B5EF4-FFF2-40B4-BE49-F238E27FC236}">
-                    <a16:creationId xmlns="" xmlns:a16="http://schemas.microsoft.com/office/drawing/2014/main" id="{A31F1ABC-F007-43DC-BA06-1AEB599D747B}"/>
+                    <a16:creationId xmlns:a16="http://schemas.microsoft.com/office/drawing/2014/main" xmlns="" id="{A31F1ABC-F007-43DC-BA06-1AEB599D747B}"/>
                   </a:ext>
                 </a:extLst>
               </p:cNvPr>
@@ -5047,7 +5048,7 @@
               <p:cNvPr id="116" name="Freeform 7">
                 <a:extLst>
                   <a:ext uri="{FF2B5EF4-FFF2-40B4-BE49-F238E27FC236}">
-                    <a16:creationId xmlns="" xmlns:a16="http://schemas.microsoft.com/office/drawing/2014/main" id="{C7CB8647-0116-47CE-8E7B-049061871821}"/>
+                    <a16:creationId xmlns:a16="http://schemas.microsoft.com/office/drawing/2014/main" xmlns="" id="{C7CB8647-0116-47CE-8E7B-049061871821}"/>
                   </a:ext>
                 </a:extLst>
               </p:cNvPr>
@@ -5213,7 +5214,7 @@
               <p:cNvPr id="117" name="Freeform 8">
                 <a:extLst>
                   <a:ext uri="{FF2B5EF4-FFF2-40B4-BE49-F238E27FC236}">
-                    <a16:creationId xmlns="" xmlns:a16="http://schemas.microsoft.com/office/drawing/2014/main" id="{EF2B3790-56B5-47D0-A690-53E8E27DDC7D}"/>
+                    <a16:creationId xmlns:a16="http://schemas.microsoft.com/office/drawing/2014/main" xmlns="" id="{EF2B3790-56B5-47D0-A690-53E8E27DDC7D}"/>
                   </a:ext>
                 </a:extLst>
               </p:cNvPr>
@@ -5359,7 +5360,7 @@
               <p:cNvPr id="118" name="Freeform 9">
                 <a:extLst>
                   <a:ext uri="{FF2B5EF4-FFF2-40B4-BE49-F238E27FC236}">
-                    <a16:creationId xmlns="" xmlns:a16="http://schemas.microsoft.com/office/drawing/2014/main" id="{92AB0F54-9032-48EB-97C3-9E93BCE235A5}"/>
+                    <a16:creationId xmlns:a16="http://schemas.microsoft.com/office/drawing/2014/main" xmlns="" id="{92AB0F54-9032-48EB-97C3-9E93BCE235A5}"/>
                   </a:ext>
                 </a:extLst>
               </p:cNvPr>
@@ -5526,7 +5527,7 @@
             <p:cNvPr id="132" name="Straight Connector 131">
               <a:extLst>
                 <a:ext uri="{FF2B5EF4-FFF2-40B4-BE49-F238E27FC236}">
-                  <a16:creationId xmlns="" xmlns:a16="http://schemas.microsoft.com/office/drawing/2014/main" id="{65145EDD-D606-4347-8E4D-5BB67CFFAA99}"/>
+                  <a16:creationId xmlns:a16="http://schemas.microsoft.com/office/drawing/2014/main" xmlns="" id="{65145EDD-D606-4347-8E4D-5BB67CFFAA99}"/>
                 </a:ext>
               </a:extLst>
             </p:cNvPr>
@@ -5571,7 +5572,7 @@
           <p:cNvPr id="31" name="Group 30">
             <a:extLst>
               <a:ext uri="{FF2B5EF4-FFF2-40B4-BE49-F238E27FC236}">
-                <a16:creationId xmlns="" xmlns:a16="http://schemas.microsoft.com/office/drawing/2014/main" id="{21FDD82B-5983-4FED-B454-26F3BE7A0B36}"/>
+                <a16:creationId xmlns:a16="http://schemas.microsoft.com/office/drawing/2014/main" xmlns="" id="{21FDD82B-5983-4FED-B454-26F3BE7A0B36}"/>
               </a:ext>
             </a:extLst>
           </p:cNvPr>
@@ -5594,7 +5595,7 @@
             <p:cNvPr id="14" name="Group 13">
               <a:extLst>
                 <a:ext uri="{FF2B5EF4-FFF2-40B4-BE49-F238E27FC236}">
-                  <a16:creationId xmlns="" xmlns:a16="http://schemas.microsoft.com/office/drawing/2014/main" id="{AF5E0922-C813-4C76-8DA2-AD2C928F8E53}"/>
+                  <a16:creationId xmlns:a16="http://schemas.microsoft.com/office/drawing/2014/main" xmlns="" id="{AF5E0922-C813-4C76-8DA2-AD2C928F8E53}"/>
                 </a:ext>
               </a:extLst>
             </p:cNvPr>
@@ -5615,7 +5616,7 @@
               <p:cNvPr id="99" name="Freeform 5">
                 <a:extLst>
                   <a:ext uri="{FF2B5EF4-FFF2-40B4-BE49-F238E27FC236}">
-                    <a16:creationId xmlns="" xmlns:a16="http://schemas.microsoft.com/office/drawing/2014/main" id="{2E86A7DD-7289-4817-BDDE-039F929FEF54}"/>
+                    <a16:creationId xmlns:a16="http://schemas.microsoft.com/office/drawing/2014/main" xmlns="" id="{2E86A7DD-7289-4817-BDDE-039F929FEF54}"/>
                   </a:ext>
                 </a:extLst>
               </p:cNvPr>
@@ -6068,7 +6069,7 @@
               <p:cNvPr id="100" name="Freeform 6">
                 <a:extLst>
                   <a:ext uri="{FF2B5EF4-FFF2-40B4-BE49-F238E27FC236}">
-                    <a16:creationId xmlns="" xmlns:a16="http://schemas.microsoft.com/office/drawing/2014/main" id="{349D537E-50D5-4520-8795-A71D46C6E0D9}"/>
+                    <a16:creationId xmlns:a16="http://schemas.microsoft.com/office/drawing/2014/main" xmlns="" id="{349D537E-50D5-4520-8795-A71D46C6E0D9}"/>
                   </a:ext>
                 </a:extLst>
               </p:cNvPr>
@@ -6214,7 +6215,7 @@
               <p:cNvPr id="101" name="Freeform 7">
                 <a:extLst>
                   <a:ext uri="{FF2B5EF4-FFF2-40B4-BE49-F238E27FC236}">
-                    <a16:creationId xmlns="" xmlns:a16="http://schemas.microsoft.com/office/drawing/2014/main" id="{08C6FD5D-58DE-4759-B4D7-ACE12960A57C}"/>
+                    <a16:creationId xmlns:a16="http://schemas.microsoft.com/office/drawing/2014/main" xmlns="" id="{08C6FD5D-58DE-4759-B4D7-ACE12960A57C}"/>
                   </a:ext>
                 </a:extLst>
               </p:cNvPr>
@@ -6380,7 +6381,7 @@
               <p:cNvPr id="102" name="Freeform 8">
                 <a:extLst>
                   <a:ext uri="{FF2B5EF4-FFF2-40B4-BE49-F238E27FC236}">
-                    <a16:creationId xmlns="" xmlns:a16="http://schemas.microsoft.com/office/drawing/2014/main" id="{8188F576-D871-48B8-A1F1-707803F628C9}"/>
+                    <a16:creationId xmlns:a16="http://schemas.microsoft.com/office/drawing/2014/main" xmlns="" id="{8188F576-D871-48B8-A1F1-707803F628C9}"/>
                   </a:ext>
                 </a:extLst>
               </p:cNvPr>
@@ -6526,7 +6527,7 @@
               <p:cNvPr id="103" name="Freeform 9">
                 <a:extLst>
                   <a:ext uri="{FF2B5EF4-FFF2-40B4-BE49-F238E27FC236}">
-                    <a16:creationId xmlns="" xmlns:a16="http://schemas.microsoft.com/office/drawing/2014/main" id="{10FE7544-4349-4586-92CD-371C2982C8D8}"/>
+                    <a16:creationId xmlns:a16="http://schemas.microsoft.com/office/drawing/2014/main" xmlns="" id="{10FE7544-4349-4586-92CD-371C2982C8D8}"/>
                   </a:ext>
                 </a:extLst>
               </p:cNvPr>
@@ -6693,7 +6694,7 @@
             <p:cNvPr id="135" name="Straight Connector 134">
               <a:extLst>
                 <a:ext uri="{FF2B5EF4-FFF2-40B4-BE49-F238E27FC236}">
-                  <a16:creationId xmlns="" xmlns:a16="http://schemas.microsoft.com/office/drawing/2014/main" id="{5451453B-71E5-4CEB-A5D5-B5214832F59E}"/>
+                  <a16:creationId xmlns:a16="http://schemas.microsoft.com/office/drawing/2014/main" xmlns="" id="{5451453B-71E5-4CEB-A5D5-B5214832F59E}"/>
                 </a:ext>
               </a:extLst>
             </p:cNvPr>
@@ -6738,7 +6739,7 @@
           <p:cNvPr id="32" name="Group 31">
             <a:extLst>
               <a:ext uri="{FF2B5EF4-FFF2-40B4-BE49-F238E27FC236}">
-                <a16:creationId xmlns="" xmlns:a16="http://schemas.microsoft.com/office/drawing/2014/main" id="{6B2AA441-76A7-41A3-8263-C8708232AED2}"/>
+                <a16:creationId xmlns:a16="http://schemas.microsoft.com/office/drawing/2014/main" xmlns="" id="{6B2AA441-76A7-41A3-8263-C8708232AED2}"/>
               </a:ext>
             </a:extLst>
           </p:cNvPr>
@@ -6761,7 +6762,7 @@
             <p:cNvPr id="119" name="Group 118">
               <a:extLst>
                 <a:ext uri="{FF2B5EF4-FFF2-40B4-BE49-F238E27FC236}">
-                  <a16:creationId xmlns="" xmlns:a16="http://schemas.microsoft.com/office/drawing/2014/main" id="{E5B4FC20-C444-4C03-B912-6914AC2B8AB2}"/>
+                  <a16:creationId xmlns:a16="http://schemas.microsoft.com/office/drawing/2014/main" xmlns="" id="{E5B4FC20-C444-4C03-B912-6914AC2B8AB2}"/>
                 </a:ext>
               </a:extLst>
             </p:cNvPr>
@@ -6782,7 +6783,7 @@
               <p:cNvPr id="120" name="Freeform 5">
                 <a:extLst>
                   <a:ext uri="{FF2B5EF4-FFF2-40B4-BE49-F238E27FC236}">
-                    <a16:creationId xmlns="" xmlns:a16="http://schemas.microsoft.com/office/drawing/2014/main" id="{F52FC4DE-F5C4-47DA-8A31-AAFB66D6416A}"/>
+                    <a16:creationId xmlns:a16="http://schemas.microsoft.com/office/drawing/2014/main" xmlns="" id="{F52FC4DE-F5C4-47DA-8A31-AAFB66D6416A}"/>
                   </a:ext>
                 </a:extLst>
               </p:cNvPr>
@@ -7235,7 +7236,7 @@
               <p:cNvPr id="121" name="Freeform 6">
                 <a:extLst>
                   <a:ext uri="{FF2B5EF4-FFF2-40B4-BE49-F238E27FC236}">
-                    <a16:creationId xmlns="" xmlns:a16="http://schemas.microsoft.com/office/drawing/2014/main" id="{4FCC544E-32E5-43BE-906D-D401BEF50A6D}"/>
+                    <a16:creationId xmlns:a16="http://schemas.microsoft.com/office/drawing/2014/main" xmlns="" id="{4FCC544E-32E5-43BE-906D-D401BEF50A6D}"/>
                   </a:ext>
                 </a:extLst>
               </p:cNvPr>
@@ -7381,7 +7382,7 @@
               <p:cNvPr id="122" name="Freeform 7">
                 <a:extLst>
                   <a:ext uri="{FF2B5EF4-FFF2-40B4-BE49-F238E27FC236}">
-                    <a16:creationId xmlns="" xmlns:a16="http://schemas.microsoft.com/office/drawing/2014/main" id="{BD352A43-C163-466F-9E85-35AA89D82115}"/>
+                    <a16:creationId xmlns:a16="http://schemas.microsoft.com/office/drawing/2014/main" xmlns="" id="{BD352A43-C163-466F-9E85-35AA89D82115}"/>
                   </a:ext>
                 </a:extLst>
               </p:cNvPr>
@@ -7547,7 +7548,7 @@
               <p:cNvPr id="123" name="Freeform 8">
                 <a:extLst>
                   <a:ext uri="{FF2B5EF4-FFF2-40B4-BE49-F238E27FC236}">
-                    <a16:creationId xmlns="" xmlns:a16="http://schemas.microsoft.com/office/drawing/2014/main" id="{A49BC1DA-7F34-4FC0-97B8-59AB848A73BD}"/>
+                    <a16:creationId xmlns:a16="http://schemas.microsoft.com/office/drawing/2014/main" xmlns="" id="{A49BC1DA-7F34-4FC0-97B8-59AB848A73BD}"/>
                   </a:ext>
                 </a:extLst>
               </p:cNvPr>
@@ -7693,7 +7694,7 @@
               <p:cNvPr id="124" name="Freeform 9">
                 <a:extLst>
                   <a:ext uri="{FF2B5EF4-FFF2-40B4-BE49-F238E27FC236}">
-                    <a16:creationId xmlns="" xmlns:a16="http://schemas.microsoft.com/office/drawing/2014/main" id="{7527A342-5DA5-4D68-9162-4C01DEFB61DB}"/>
+                    <a16:creationId xmlns:a16="http://schemas.microsoft.com/office/drawing/2014/main" xmlns="" id="{7527A342-5DA5-4D68-9162-4C01DEFB61DB}"/>
                   </a:ext>
                 </a:extLst>
               </p:cNvPr>
@@ -7860,7 +7861,7 @@
             <p:cNvPr id="136" name="Straight Connector 135">
               <a:extLst>
                 <a:ext uri="{FF2B5EF4-FFF2-40B4-BE49-F238E27FC236}">
-                  <a16:creationId xmlns="" xmlns:a16="http://schemas.microsoft.com/office/drawing/2014/main" id="{A0066D04-42E9-4291-8FF4-1A3DE7ECBA0E}"/>
+                  <a16:creationId xmlns:a16="http://schemas.microsoft.com/office/drawing/2014/main" xmlns="" id="{A0066D04-42E9-4291-8FF4-1A3DE7ECBA0E}"/>
                 </a:ext>
               </a:extLst>
             </p:cNvPr>
@@ -7905,7 +7906,7 @@
           <p:cNvPr id="30" name="Group 29">
             <a:extLst>
               <a:ext uri="{FF2B5EF4-FFF2-40B4-BE49-F238E27FC236}">
-                <a16:creationId xmlns="" xmlns:a16="http://schemas.microsoft.com/office/drawing/2014/main" id="{C6990497-3BA4-4070-805D-0A5F39CB742F}"/>
+                <a16:creationId xmlns:a16="http://schemas.microsoft.com/office/drawing/2014/main" xmlns="" id="{C6990497-3BA4-4070-805D-0A5F39CB742F}"/>
               </a:ext>
             </a:extLst>
           </p:cNvPr>
@@ -7928,7 +7929,7 @@
             <p:cNvPr id="125" name="Group 124">
               <a:extLst>
                 <a:ext uri="{FF2B5EF4-FFF2-40B4-BE49-F238E27FC236}">
-                  <a16:creationId xmlns="" xmlns:a16="http://schemas.microsoft.com/office/drawing/2014/main" id="{3A98F39F-9265-4C78-8D29-CCDF0B559433}"/>
+                  <a16:creationId xmlns:a16="http://schemas.microsoft.com/office/drawing/2014/main" xmlns="" id="{3A98F39F-9265-4C78-8D29-CCDF0B559433}"/>
                 </a:ext>
               </a:extLst>
             </p:cNvPr>
@@ -7949,7 +7950,7 @@
               <p:cNvPr id="126" name="Freeform 5">
                 <a:extLst>
                   <a:ext uri="{FF2B5EF4-FFF2-40B4-BE49-F238E27FC236}">
-                    <a16:creationId xmlns="" xmlns:a16="http://schemas.microsoft.com/office/drawing/2014/main" id="{83FFC820-DDED-4057-AEB4-2941333A6897}"/>
+                    <a16:creationId xmlns:a16="http://schemas.microsoft.com/office/drawing/2014/main" xmlns="" id="{83FFC820-DDED-4057-AEB4-2941333A6897}"/>
                   </a:ext>
                 </a:extLst>
               </p:cNvPr>
@@ -8402,7 +8403,7 @@
               <p:cNvPr id="127" name="Freeform 6">
                 <a:extLst>
                   <a:ext uri="{FF2B5EF4-FFF2-40B4-BE49-F238E27FC236}">
-                    <a16:creationId xmlns="" xmlns:a16="http://schemas.microsoft.com/office/drawing/2014/main" id="{EAFD2AFD-CE31-47D4-BA52-C3F3B7F4D850}"/>
+                    <a16:creationId xmlns:a16="http://schemas.microsoft.com/office/drawing/2014/main" xmlns="" id="{EAFD2AFD-CE31-47D4-BA52-C3F3B7F4D850}"/>
                   </a:ext>
                 </a:extLst>
               </p:cNvPr>
@@ -8548,7 +8549,7 @@
               <p:cNvPr id="128" name="Freeform 7">
                 <a:extLst>
                   <a:ext uri="{FF2B5EF4-FFF2-40B4-BE49-F238E27FC236}">
-                    <a16:creationId xmlns="" xmlns:a16="http://schemas.microsoft.com/office/drawing/2014/main" id="{545F5AC7-A5D5-4F5A-9BD2-84B617D0DC21}"/>
+                    <a16:creationId xmlns:a16="http://schemas.microsoft.com/office/drawing/2014/main" xmlns="" id="{545F5AC7-A5D5-4F5A-9BD2-84B617D0DC21}"/>
                   </a:ext>
                 </a:extLst>
               </p:cNvPr>
@@ -8714,7 +8715,7 @@
               <p:cNvPr id="129" name="Freeform 8">
                 <a:extLst>
                   <a:ext uri="{FF2B5EF4-FFF2-40B4-BE49-F238E27FC236}">
-                    <a16:creationId xmlns="" xmlns:a16="http://schemas.microsoft.com/office/drawing/2014/main" id="{B2F09D9F-F636-419C-8706-79B99826DBCB}"/>
+                    <a16:creationId xmlns:a16="http://schemas.microsoft.com/office/drawing/2014/main" xmlns="" id="{B2F09D9F-F636-419C-8706-79B99826DBCB}"/>
                   </a:ext>
                 </a:extLst>
               </p:cNvPr>
@@ -8860,7 +8861,7 @@
               <p:cNvPr id="130" name="Freeform 9">
                 <a:extLst>
                   <a:ext uri="{FF2B5EF4-FFF2-40B4-BE49-F238E27FC236}">
-                    <a16:creationId xmlns="" xmlns:a16="http://schemas.microsoft.com/office/drawing/2014/main" id="{80C99F69-63D3-492A-AAE5-3DC3D4E57228}"/>
+                    <a16:creationId xmlns:a16="http://schemas.microsoft.com/office/drawing/2014/main" xmlns="" id="{80C99F69-63D3-492A-AAE5-3DC3D4E57228}"/>
                   </a:ext>
                 </a:extLst>
               </p:cNvPr>
@@ -9027,7 +9028,7 @@
             <p:cNvPr id="137" name="Straight Connector 136">
               <a:extLst>
                 <a:ext uri="{FF2B5EF4-FFF2-40B4-BE49-F238E27FC236}">
-                  <a16:creationId xmlns="" xmlns:a16="http://schemas.microsoft.com/office/drawing/2014/main" id="{200C9044-81C4-4B87-A0B2-5DE7897CBD28}"/>
+                  <a16:creationId xmlns:a16="http://schemas.microsoft.com/office/drawing/2014/main" xmlns="" id="{200C9044-81C4-4B87-A0B2-5DE7897CBD28}"/>
                 </a:ext>
               </a:extLst>
             </p:cNvPr>
@@ -9072,7 +9073,7 @@
           <p:cNvPr id="35" name="Group 34">
             <a:extLst>
               <a:ext uri="{FF2B5EF4-FFF2-40B4-BE49-F238E27FC236}">
-                <a16:creationId xmlns="" xmlns:a16="http://schemas.microsoft.com/office/drawing/2014/main" id="{E6CA2614-C776-41DC-B4D3-D31634D9C475}"/>
+                <a16:creationId xmlns:a16="http://schemas.microsoft.com/office/drawing/2014/main" xmlns="" id="{E6CA2614-C776-41DC-B4D3-D31634D9C475}"/>
               </a:ext>
             </a:extLst>
           </p:cNvPr>
@@ -9092,7 +9093,7 @@
             <p:cNvPr id="84" name="Freeform 5">
               <a:extLst>
                 <a:ext uri="{FF2B5EF4-FFF2-40B4-BE49-F238E27FC236}">
-                  <a16:creationId xmlns="" xmlns:a16="http://schemas.microsoft.com/office/drawing/2014/main" id="{C3018793-9F15-4AA0-8D88-CFE8F59413F5}"/>
+                  <a16:creationId xmlns:a16="http://schemas.microsoft.com/office/drawing/2014/main" xmlns="" id="{C3018793-9F15-4AA0-8D88-CFE8F59413F5}"/>
                 </a:ext>
               </a:extLst>
             </p:cNvPr>
@@ -9547,7 +9548,7 @@
             <p:cNvPr id="85" name="Freeform 6">
               <a:extLst>
                 <a:ext uri="{FF2B5EF4-FFF2-40B4-BE49-F238E27FC236}">
-                  <a16:creationId xmlns="" xmlns:a16="http://schemas.microsoft.com/office/drawing/2014/main" id="{DE8BB8EF-7DA6-41F1-BC71-B8028DC8E8BB}"/>
+                  <a16:creationId xmlns:a16="http://schemas.microsoft.com/office/drawing/2014/main" xmlns="" id="{DE8BB8EF-7DA6-41F1-BC71-B8028DC8E8BB}"/>
                 </a:ext>
               </a:extLst>
             </p:cNvPr>
@@ -9695,7 +9696,7 @@
             <p:cNvPr id="86" name="Freeform 7">
               <a:extLst>
                 <a:ext uri="{FF2B5EF4-FFF2-40B4-BE49-F238E27FC236}">
-                  <a16:creationId xmlns="" xmlns:a16="http://schemas.microsoft.com/office/drawing/2014/main" id="{4EB21C51-58A8-4A53-801B-988B2406C17F}"/>
+                  <a16:creationId xmlns:a16="http://schemas.microsoft.com/office/drawing/2014/main" xmlns="" id="{4EB21C51-58A8-4A53-801B-988B2406C17F}"/>
                 </a:ext>
               </a:extLst>
             </p:cNvPr>
@@ -9863,7 +9864,7 @@
             <p:cNvPr id="87" name="Freeform 8">
               <a:extLst>
                 <a:ext uri="{FF2B5EF4-FFF2-40B4-BE49-F238E27FC236}">
-                  <a16:creationId xmlns="" xmlns:a16="http://schemas.microsoft.com/office/drawing/2014/main" id="{D37A70B3-F043-4A49-A074-CAE0F71F8FCD}"/>
+                  <a16:creationId xmlns:a16="http://schemas.microsoft.com/office/drawing/2014/main" xmlns="" id="{D37A70B3-F043-4A49-A074-CAE0F71F8FCD}"/>
                 </a:ext>
               </a:extLst>
             </p:cNvPr>
@@ -10011,7 +10012,7 @@
             <p:cNvPr id="88" name="Freeform 9">
               <a:extLst>
                 <a:ext uri="{FF2B5EF4-FFF2-40B4-BE49-F238E27FC236}">
-                  <a16:creationId xmlns="" xmlns:a16="http://schemas.microsoft.com/office/drawing/2014/main" id="{A0C22660-B79D-4A94-BD65-391DD653D470}"/>
+                  <a16:creationId xmlns:a16="http://schemas.microsoft.com/office/drawing/2014/main" xmlns="" id="{A0C22660-B79D-4A94-BD65-391DD653D470}"/>
                 </a:ext>
               </a:extLst>
             </p:cNvPr>
@@ -10179,7 +10180,7 @@
             <p:cNvPr id="89" name="Freeform 10">
               <a:extLst>
                 <a:ext uri="{FF2B5EF4-FFF2-40B4-BE49-F238E27FC236}">
-                  <a16:creationId xmlns="" xmlns:a16="http://schemas.microsoft.com/office/drawing/2014/main" id="{CFC93E54-CFFF-4ABA-BFD6-36579C7A0052}"/>
+                  <a16:creationId xmlns:a16="http://schemas.microsoft.com/office/drawing/2014/main" xmlns="" id="{CFC93E54-CFFF-4ABA-BFD6-36579C7A0052}"/>
                 </a:ext>
               </a:extLst>
             </p:cNvPr>
@@ -10317,7 +10318,7 @@
             <p:cNvPr id="90" name="Freeform 11">
               <a:extLst>
                 <a:ext uri="{FF2B5EF4-FFF2-40B4-BE49-F238E27FC236}">
-                  <a16:creationId xmlns="" xmlns:a16="http://schemas.microsoft.com/office/drawing/2014/main" id="{22131C25-69B1-4F33-9B81-64B6AA7AEF5A}"/>
+                  <a16:creationId xmlns:a16="http://schemas.microsoft.com/office/drawing/2014/main" xmlns="" id="{22131C25-69B1-4F33-9B81-64B6AA7AEF5A}"/>
                 </a:ext>
               </a:extLst>
             </p:cNvPr>
@@ -10463,7 +10464,7 @@
             <p:cNvPr id="91" name="Freeform 12">
               <a:extLst>
                 <a:ext uri="{FF2B5EF4-FFF2-40B4-BE49-F238E27FC236}">
-                  <a16:creationId xmlns="" xmlns:a16="http://schemas.microsoft.com/office/drawing/2014/main" id="{B4251EF7-E48A-46C8-BA9B-7BD81279429F}"/>
+                  <a16:creationId xmlns:a16="http://schemas.microsoft.com/office/drawing/2014/main" xmlns="" id="{B4251EF7-E48A-46C8-BA9B-7BD81279429F}"/>
                 </a:ext>
               </a:extLst>
             </p:cNvPr>
@@ -10611,7 +10612,7 @@
             <p:cNvPr id="92" name="Freeform 13">
               <a:extLst>
                 <a:ext uri="{FF2B5EF4-FFF2-40B4-BE49-F238E27FC236}">
-                  <a16:creationId xmlns="" xmlns:a16="http://schemas.microsoft.com/office/drawing/2014/main" id="{A2F2C16A-6D6D-409A-9C9E-65CB184D3F26}"/>
+                  <a16:creationId xmlns:a16="http://schemas.microsoft.com/office/drawing/2014/main" xmlns="" id="{A2F2C16A-6D6D-409A-9C9E-65CB184D3F26}"/>
                 </a:ext>
               </a:extLst>
             </p:cNvPr>
@@ -10759,7 +10760,7 @@
             <p:cNvPr id="93" name="Freeform 14">
               <a:extLst>
                 <a:ext uri="{FF2B5EF4-FFF2-40B4-BE49-F238E27FC236}">
-                  <a16:creationId xmlns="" xmlns:a16="http://schemas.microsoft.com/office/drawing/2014/main" id="{DE9D0EE0-16F0-4C3D-8B7B-C52E37EB02A7}"/>
+                  <a16:creationId xmlns:a16="http://schemas.microsoft.com/office/drawing/2014/main" xmlns="" id="{DE9D0EE0-16F0-4C3D-8B7B-C52E37EB02A7}"/>
                 </a:ext>
               </a:extLst>
             </p:cNvPr>
@@ -10897,7 +10898,7 @@
             <p:cNvPr id="94" name="Freeform 15">
               <a:extLst>
                 <a:ext uri="{FF2B5EF4-FFF2-40B4-BE49-F238E27FC236}">
-                  <a16:creationId xmlns="" xmlns:a16="http://schemas.microsoft.com/office/drawing/2014/main" id="{866B0852-9270-48AC-B823-579167A21C0E}"/>
+                  <a16:creationId xmlns:a16="http://schemas.microsoft.com/office/drawing/2014/main" xmlns="" id="{866B0852-9270-48AC-B823-579167A21C0E}"/>
                 </a:ext>
               </a:extLst>
             </p:cNvPr>
@@ -11035,7 +11036,7 @@
             <p:cNvPr id="95" name="Freeform 16">
               <a:extLst>
                 <a:ext uri="{FF2B5EF4-FFF2-40B4-BE49-F238E27FC236}">
-                  <a16:creationId xmlns="" xmlns:a16="http://schemas.microsoft.com/office/drawing/2014/main" id="{F7291838-E6C8-415E-A10A-6461E4679FA4}"/>
+                  <a16:creationId xmlns:a16="http://schemas.microsoft.com/office/drawing/2014/main" xmlns="" id="{F7291838-E6C8-415E-A10A-6461E4679FA4}"/>
                 </a:ext>
               </a:extLst>
             </p:cNvPr>
@@ -11183,7 +11184,7 @@
             <p:cNvPr id="96" name="Freeform 17">
               <a:extLst>
                 <a:ext uri="{FF2B5EF4-FFF2-40B4-BE49-F238E27FC236}">
-                  <a16:creationId xmlns="" xmlns:a16="http://schemas.microsoft.com/office/drawing/2014/main" id="{6919034B-0329-4750-B29F-F3CDAB05EC26}"/>
+                  <a16:creationId xmlns:a16="http://schemas.microsoft.com/office/drawing/2014/main" xmlns="" id="{6919034B-0329-4750-B29F-F3CDAB05EC26}"/>
                 </a:ext>
               </a:extLst>
             </p:cNvPr>
@@ -11331,7 +11332,7 @@
             <p:cNvPr id="97" name="Freeform 18">
               <a:extLst>
                 <a:ext uri="{FF2B5EF4-FFF2-40B4-BE49-F238E27FC236}">
-                  <a16:creationId xmlns="" xmlns:a16="http://schemas.microsoft.com/office/drawing/2014/main" id="{B83DC41F-2223-45D9-882F-0C6801E7AB0F}"/>
+                  <a16:creationId xmlns:a16="http://schemas.microsoft.com/office/drawing/2014/main" xmlns="" id="{B83DC41F-2223-45D9-882F-0C6801E7AB0F}"/>
                 </a:ext>
               </a:extLst>
             </p:cNvPr>
@@ -11501,13 +11502,7 @@
               <a:rPr lang="pl-PL" b="1" dirty="0" smtClean="0">
                 <a:latin typeface="Noto Sans"/>
               </a:rPr>
-              <a:t>Krystian </a:t>
-            </a:r>
-            <a:r>
-              <a:rPr lang="pl-PL" b="1" dirty="0" smtClean="0">
-                <a:latin typeface="Noto Sans"/>
-              </a:rPr>
-              <a:t>Kubala </a:t>
+              <a:t>Krystian Kubala </a:t>
             </a:r>
             <a:endParaRPr lang="pl-PL" b="1" dirty="0">
               <a:latin typeface="Noto Sans"/>
@@ -11520,9 +11515,6 @@
               </a:rPr>
               <a:t>Mirek Mamczur</a:t>
             </a:r>
-            <a:endParaRPr lang="pl-PL" b="1" dirty="0" smtClean="0">
-              <a:latin typeface="Noto Sans"/>
-            </a:endParaRPr>
           </a:p>
         </p:txBody>
       </p:sp>
@@ -25009,7 +25001,7 @@
           <p:cNvPr id="107" name="TextBox 106">
             <a:extLst>
               <a:ext uri="{FF2B5EF4-FFF2-40B4-BE49-F238E27FC236}">
-                <a16:creationId xmlns="" xmlns:a16="http://schemas.microsoft.com/office/drawing/2014/main" id="{68EB6B5D-84A6-4EA6-9AB4-A42F13EA240B}"/>
+                <a16:creationId xmlns:a16="http://schemas.microsoft.com/office/drawing/2014/main" xmlns="" id="{68EB6B5D-84A6-4EA6-9AB4-A42F13EA240B}"/>
               </a:ext>
             </a:extLst>
           </p:cNvPr>
@@ -25184,7 +25176,7 @@
           <p:cNvPr id="111" name="TextBox 110">
             <a:extLst>
               <a:ext uri="{FF2B5EF4-FFF2-40B4-BE49-F238E27FC236}">
-                <a16:creationId xmlns="" xmlns:a16="http://schemas.microsoft.com/office/drawing/2014/main" id="{68EB6B5D-84A6-4EA6-9AB4-A42F13EA240B}"/>
+                <a16:creationId xmlns:a16="http://schemas.microsoft.com/office/drawing/2014/main" xmlns="" id="{68EB6B5D-84A6-4EA6-9AB4-A42F13EA240B}"/>
               </a:ext>
             </a:extLst>
           </p:cNvPr>
@@ -25329,7 +25321,7 @@
           <p:cNvPr id="114" name="TextBox 113">
             <a:extLst>
               <a:ext uri="{FF2B5EF4-FFF2-40B4-BE49-F238E27FC236}">
-                <a16:creationId xmlns="" xmlns:a16="http://schemas.microsoft.com/office/drawing/2014/main" id="{68EB6B5D-84A6-4EA6-9AB4-A42F13EA240B}"/>
+                <a16:creationId xmlns:a16="http://schemas.microsoft.com/office/drawing/2014/main" xmlns="" id="{68EB6B5D-84A6-4EA6-9AB4-A42F13EA240B}"/>
               </a:ext>
             </a:extLst>
           </p:cNvPr>
@@ -25432,7 +25424,7 @@
           <p:cNvPr id="106" name="TextBox 1">
             <a:extLst>
               <a:ext uri="{FF2B5EF4-FFF2-40B4-BE49-F238E27FC236}">
-                <a16:creationId xmlns="" xmlns:a16="http://schemas.microsoft.com/office/drawing/2014/main" id="{DB0A9C50-B290-4C30-A65A-9D7AB111D154}"/>
+                <a16:creationId xmlns:a16="http://schemas.microsoft.com/office/drawing/2014/main" xmlns="" id="{DB0A9C50-B290-4C30-A65A-9D7AB111D154}"/>
               </a:ext>
             </a:extLst>
           </p:cNvPr>
@@ -25549,66 +25541,12 @@
           <a:chExt cx="0" cy="0"/>
         </a:xfrm>
       </p:grpSpPr>
-      <p:pic>
-        <p:nvPicPr>
-          <p:cNvPr id="1027" name="Picture 3"/>
-          <p:cNvPicPr>
-            <a:picLocks noChangeAspect="1" noChangeArrowheads="1"/>
-          </p:cNvPicPr>
-          <p:nvPr/>
-        </p:nvPicPr>
-        <p:blipFill>
-          <a:blip r:embed="rId2">
-            <a:extLst>
-              <a:ext uri="{28A0092B-C50C-407E-A947-70E740481C1C}">
-                <a14:useLocalDpi xmlns:a14="http://schemas.microsoft.com/office/drawing/2010/main" val="0"/>
-              </a:ext>
-            </a:extLst>
-          </a:blip>
-          <a:srcRect/>
-          <a:stretch>
-            <a:fillRect/>
-          </a:stretch>
-        </p:blipFill>
-        <p:spPr bwMode="auto">
-          <a:xfrm>
-            <a:off x="342900" y="1376363"/>
-            <a:ext cx="6457950" cy="4105275"/>
-          </a:xfrm>
-          <a:prstGeom prst="rect">
-            <a:avLst/>
-          </a:prstGeom>
-          <a:noFill/>
-          <a:ln>
-            <a:noFill/>
-          </a:ln>
-          <a:extLst>
-            <a:ext uri="{909E8E84-426E-40DD-AFC4-6F175D3DCCD1}">
-              <a14:hiddenFill xmlns:a14="http://schemas.microsoft.com/office/drawing/2010/main">
-                <a:solidFill>
-                  <a:schemeClr val="accent1"/>
-                </a:solidFill>
-              </a14:hiddenFill>
-            </a:ext>
-            <a:ext uri="{91240B29-F687-4F45-9708-019B960494DF}">
-              <a14:hiddenLine xmlns:a14="http://schemas.microsoft.com/office/drawing/2010/main" w="9525">
-                <a:solidFill>
-                  <a:schemeClr val="tx1"/>
-                </a:solidFill>
-                <a:miter lim="800000"/>
-                <a:headEnd/>
-                <a:tailEnd/>
-              </a14:hiddenLine>
-            </a:ext>
-          </a:extLst>
-        </p:spPr>
-      </p:pic>
       <p:sp>
         <p:nvSpPr>
           <p:cNvPr id="7" name="Arrow: Pentagon 2">
             <a:extLst>
               <a:ext uri="{FF2B5EF4-FFF2-40B4-BE49-F238E27FC236}">
-                <a16:creationId xmlns:lc="http://schemas.openxmlformats.org/drawingml/2006/lockedCanvas" xmlns:a16="http://schemas.microsoft.com/office/drawing/2014/main" xmlns="" id="{FD9C7E57-479F-43DA-8F71-D1ED1D859C78}"/>
+                <a16:creationId xmlns="" xmlns:a16="http://schemas.microsoft.com/office/drawing/2014/main" xmlns:lc="http://schemas.openxmlformats.org/drawingml/2006/lockedCanvas" id="{FD9C7E57-479F-43DA-8F71-D1ED1D859C78}"/>
               </a:ext>
             </a:extLst>
           </p:cNvPr>
@@ -25617,7 +25555,7 @@
         </p:nvSpPr>
         <p:spPr>
           <a:xfrm rot="10800000">
-            <a:off x="7210425" y="1245097"/>
+            <a:off x="7210422" y="1637512"/>
             <a:ext cx="3933825" cy="881653"/>
           </a:xfrm>
           <a:prstGeom prst="homePlate">
@@ -25757,7 +25695,7 @@
         </p:nvSpPr>
         <p:spPr>
           <a:xfrm>
-            <a:off x="7981950" y="1293509"/>
+            <a:off x="7981947" y="1685924"/>
             <a:ext cx="2819400" cy="784830"/>
           </a:xfrm>
           <a:prstGeom prst="rect">
@@ -25794,7 +25732,7 @@
           <p:cNvPr id="9" name="Arrow: Pentagon 2">
             <a:extLst>
               <a:ext uri="{FF2B5EF4-FFF2-40B4-BE49-F238E27FC236}">
-                <a16:creationId xmlns:lc="http://schemas.openxmlformats.org/drawingml/2006/lockedCanvas" xmlns:a16="http://schemas.microsoft.com/office/drawing/2014/main" xmlns="" id="{FD9C7E57-479F-43DA-8F71-D1ED1D859C78}"/>
+                <a16:creationId xmlns="" xmlns:a16="http://schemas.microsoft.com/office/drawing/2014/main" xmlns:lc="http://schemas.openxmlformats.org/drawingml/2006/lockedCanvas" id="{FD9C7E57-479F-43DA-8F71-D1ED1D859C78}"/>
               </a:ext>
             </a:extLst>
           </p:cNvPr>
@@ -25803,7 +25741,7 @@
         </p:nvSpPr>
         <p:spPr>
           <a:xfrm rot="10800000">
-            <a:off x="7210423" y="3525746"/>
+            <a:off x="7210421" y="3084919"/>
             <a:ext cx="3933825" cy="881653"/>
           </a:xfrm>
           <a:prstGeom prst="homePlate">
@@ -25943,7 +25881,7 @@
         </p:nvSpPr>
         <p:spPr>
           <a:xfrm>
-            <a:off x="7981950" y="3574157"/>
+            <a:off x="7981948" y="3133330"/>
             <a:ext cx="2819400" cy="784830"/>
           </a:xfrm>
           <a:prstGeom prst="rect">
@@ -25964,7 +25902,7 @@
                 </a:solidFill>
                 <a:latin typeface="Noto Sans"/>
               </a:rPr>
-              <a:t>Używamy API Google Web Speech do ekstrakcji słów z wypowiedzi</a:t>
+              <a:t>W tle używamy API Google Web Speech do ekstrakcji słów z wypowiedzi</a:t>
             </a:r>
             <a:endParaRPr lang="pl-PL" sz="1500" b="1" dirty="0">
               <a:solidFill>
@@ -25975,6 +25913,60 @@
           </a:p>
         </p:txBody>
       </p:sp>
+      <p:pic>
+        <p:nvPicPr>
+          <p:cNvPr id="2" name="Picture 3"/>
+          <p:cNvPicPr>
+            <a:picLocks noChangeAspect="1" noChangeArrowheads="1"/>
+          </p:cNvPicPr>
+          <p:nvPr/>
+        </p:nvPicPr>
+        <p:blipFill>
+          <a:blip r:embed="rId2">
+            <a:extLst>
+              <a:ext uri="{28A0092B-C50C-407E-A947-70E740481C1C}">
+                <a14:useLocalDpi xmlns:a14="http://schemas.microsoft.com/office/drawing/2010/main" val="0"/>
+              </a:ext>
+            </a:extLst>
+          </a:blip>
+          <a:srcRect/>
+          <a:stretch>
+            <a:fillRect/>
+          </a:stretch>
+        </p:blipFill>
+        <p:spPr bwMode="auto">
+          <a:xfrm>
+            <a:off x="438150" y="1537698"/>
+            <a:ext cx="5905500" cy="2647950"/>
+          </a:xfrm>
+          <a:prstGeom prst="rect">
+            <a:avLst/>
+          </a:prstGeom>
+          <a:noFill/>
+          <a:ln>
+            <a:noFill/>
+          </a:ln>
+          <a:extLst>
+            <a:ext uri="{909E8E84-426E-40DD-AFC4-6F175D3DCCD1}">
+              <a14:hiddenFill xmlns:a14="http://schemas.microsoft.com/office/drawing/2010/main">
+                <a:solidFill>
+                  <a:schemeClr val="accent1"/>
+                </a:solidFill>
+              </a14:hiddenFill>
+            </a:ext>
+            <a:ext uri="{91240B29-F687-4F45-9708-019B960494DF}">
+              <a14:hiddenLine xmlns:a14="http://schemas.microsoft.com/office/drawing/2010/main" w="9525">
+                <a:solidFill>
+                  <a:schemeClr val="tx1"/>
+                </a:solidFill>
+                <a:miter lim="800000"/>
+                <a:headEnd/>
+                <a:tailEnd/>
+              </a14:hiddenLine>
+            </a:ext>
+          </a:extLst>
+        </p:spPr>
+      </p:pic>
     </p:spTree>
     <p:extLst>
       <p:ext uri="{BB962C8B-B14F-4D97-AF65-F5344CB8AC3E}">
@@ -26005,66 +25997,12 @@
           <a:chExt cx="0" cy="0"/>
         </a:xfrm>
       </p:grpSpPr>
-      <p:pic>
-        <p:nvPicPr>
-          <p:cNvPr id="2051" name="Picture 3"/>
-          <p:cNvPicPr>
-            <a:picLocks noChangeAspect="1" noChangeArrowheads="1"/>
-          </p:cNvPicPr>
-          <p:nvPr/>
-        </p:nvPicPr>
-        <p:blipFill>
-          <a:blip r:embed="rId2">
-            <a:extLst>
-              <a:ext uri="{28A0092B-C50C-407E-A947-70E740481C1C}">
-                <a14:useLocalDpi xmlns:a14="http://schemas.microsoft.com/office/drawing/2010/main" val="0"/>
-              </a:ext>
-            </a:extLst>
-          </a:blip>
-          <a:srcRect/>
-          <a:stretch>
-            <a:fillRect/>
-          </a:stretch>
-        </p:blipFill>
-        <p:spPr bwMode="auto">
-          <a:xfrm>
-            <a:off x="4638675" y="1071561"/>
-            <a:ext cx="6877050" cy="4714875"/>
-          </a:xfrm>
-          <a:prstGeom prst="rect">
-            <a:avLst/>
-          </a:prstGeom>
-          <a:noFill/>
-          <a:ln>
-            <a:noFill/>
-          </a:ln>
-          <a:extLst>
-            <a:ext uri="{909E8E84-426E-40DD-AFC4-6F175D3DCCD1}">
-              <a14:hiddenFill xmlns:a14="http://schemas.microsoft.com/office/drawing/2010/main">
-                <a:solidFill>
-                  <a:schemeClr val="accent1"/>
-                </a:solidFill>
-              </a14:hiddenFill>
-            </a:ext>
-            <a:ext uri="{91240B29-F687-4F45-9708-019B960494DF}">
-              <a14:hiddenLine xmlns:a14="http://schemas.microsoft.com/office/drawing/2010/main" w="9525">
-                <a:solidFill>
-                  <a:schemeClr val="tx1"/>
-                </a:solidFill>
-                <a:miter lim="800000"/>
-                <a:headEnd/>
-                <a:tailEnd/>
-              </a14:hiddenLine>
-            </a:ext>
-          </a:extLst>
-        </p:spPr>
-      </p:pic>
       <p:sp>
         <p:nvSpPr>
           <p:cNvPr id="5" name="Arrow: Pentagon 2">
             <a:extLst>
               <a:ext uri="{FF2B5EF4-FFF2-40B4-BE49-F238E27FC236}">
-                <a16:creationId xmlns:lc="http://schemas.openxmlformats.org/drawingml/2006/lockedCanvas" xmlns:a16="http://schemas.microsoft.com/office/drawing/2014/main" xmlns="" id="{FD9C7E57-479F-43DA-8F71-D1ED1D859C78}"/>
+                <a16:creationId xmlns="" xmlns:a16="http://schemas.microsoft.com/office/drawing/2014/main" xmlns:lc="http://schemas.openxmlformats.org/drawingml/2006/lockedCanvas" id="{FD9C7E57-479F-43DA-8F71-D1ED1D859C78}"/>
               </a:ext>
             </a:extLst>
           </p:cNvPr>
@@ -26073,7 +26011,7 @@
         </p:nvSpPr>
         <p:spPr>
           <a:xfrm>
-            <a:off x="390523" y="963521"/>
+            <a:off x="390523" y="1163546"/>
             <a:ext cx="3933825" cy="881653"/>
           </a:xfrm>
           <a:prstGeom prst="homePlate">
@@ -26213,7 +26151,7 @@
         </p:nvSpPr>
         <p:spPr>
           <a:xfrm>
-            <a:off x="533400" y="1011932"/>
+            <a:off x="533400" y="1211957"/>
             <a:ext cx="2819400" cy="784830"/>
           </a:xfrm>
           <a:prstGeom prst="rect">
@@ -26234,7 +26172,7 @@
                 </a:solidFill>
                 <a:latin typeface="Noto Sans"/>
               </a:rPr>
-              <a:t>Podłączamy się do Google Drive, na którym znajdują się elementy projektu</a:t>
+              <a:t>Model generujący wiersz pobiera się automatycznie z Google Drive</a:t>
             </a:r>
             <a:endParaRPr lang="pl-PL" sz="1500" b="1" dirty="0">
               <a:solidFill>
@@ -26250,7 +26188,7 @@
           <p:cNvPr id="8" name="Arrow: Pentagon 2">
             <a:extLst>
               <a:ext uri="{FF2B5EF4-FFF2-40B4-BE49-F238E27FC236}">
-                <a16:creationId xmlns:lc="http://schemas.openxmlformats.org/drawingml/2006/lockedCanvas" xmlns:a16="http://schemas.microsoft.com/office/drawing/2014/main" xmlns="" id="{FD9C7E57-479F-43DA-8F71-D1ED1D859C78}"/>
+                <a16:creationId xmlns="" xmlns:a16="http://schemas.microsoft.com/office/drawing/2014/main" xmlns:lc="http://schemas.openxmlformats.org/drawingml/2006/lockedCanvas" id="{FD9C7E57-479F-43DA-8F71-D1ED1D859C78}"/>
               </a:ext>
             </a:extLst>
           </p:cNvPr>
@@ -26259,7 +26197,7 @@
         </p:nvSpPr>
         <p:spPr>
           <a:xfrm>
-            <a:off x="390522" y="4230595"/>
+            <a:off x="390523" y="3838179"/>
             <a:ext cx="3933825" cy="881653"/>
           </a:xfrm>
           <a:prstGeom prst="homePlate">
@@ -26402,7 +26340,7 @@
         </p:nvSpPr>
         <p:spPr>
           <a:xfrm>
-            <a:off x="533400" y="4279006"/>
+            <a:off x="533401" y="3886590"/>
             <a:ext cx="2819400" cy="784830"/>
           </a:xfrm>
           <a:prstGeom prst="rect">
@@ -26445,6 +26383,60 @@
           </a:p>
         </p:txBody>
       </p:sp>
+      <p:pic>
+        <p:nvPicPr>
+          <p:cNvPr id="2" name="Picture 3"/>
+          <p:cNvPicPr>
+            <a:picLocks noChangeAspect="1" noChangeArrowheads="1"/>
+          </p:cNvPicPr>
+          <p:nvPr/>
+        </p:nvPicPr>
+        <p:blipFill>
+          <a:blip r:embed="rId2">
+            <a:extLst>
+              <a:ext uri="{28A0092B-C50C-407E-A947-70E740481C1C}">
+                <a14:useLocalDpi xmlns:a14="http://schemas.microsoft.com/office/drawing/2010/main" val="0"/>
+              </a:ext>
+            </a:extLst>
+          </a:blip>
+          <a:srcRect/>
+          <a:stretch>
+            <a:fillRect/>
+          </a:stretch>
+        </p:blipFill>
+        <p:spPr bwMode="auto">
+          <a:xfrm>
+            <a:off x="4533900" y="476250"/>
+            <a:ext cx="6877050" cy="5048250"/>
+          </a:xfrm>
+          <a:prstGeom prst="rect">
+            <a:avLst/>
+          </a:prstGeom>
+          <a:noFill/>
+          <a:ln>
+            <a:noFill/>
+          </a:ln>
+          <a:extLst>
+            <a:ext uri="{909E8E84-426E-40DD-AFC4-6F175D3DCCD1}">
+              <a14:hiddenFill xmlns:a14="http://schemas.microsoft.com/office/drawing/2010/main">
+                <a:solidFill>
+                  <a:schemeClr val="accent1"/>
+                </a:solidFill>
+              </a14:hiddenFill>
+            </a:ext>
+            <a:ext uri="{91240B29-F687-4F45-9708-019B960494DF}">
+              <a14:hiddenLine xmlns:a14="http://schemas.microsoft.com/office/drawing/2010/main" w="9525">
+                <a:solidFill>
+                  <a:schemeClr val="tx1"/>
+                </a:solidFill>
+                <a:miter lim="800000"/>
+                <a:headEnd/>
+                <a:tailEnd/>
+              </a14:hiddenLine>
+            </a:ext>
+          </a:extLst>
+        </p:spPr>
+      </p:pic>
     </p:spTree>
     <p:extLst>
       <p:ext uri="{BB962C8B-B14F-4D97-AF65-F5344CB8AC3E}">
@@ -26475,66 +26467,12 @@
           <a:chExt cx="0" cy="0"/>
         </a:xfrm>
       </p:grpSpPr>
-      <p:pic>
-        <p:nvPicPr>
-          <p:cNvPr id="3074" name="Picture 2"/>
-          <p:cNvPicPr>
-            <a:picLocks noChangeAspect="1" noChangeArrowheads="1"/>
-          </p:cNvPicPr>
-          <p:nvPr/>
-        </p:nvPicPr>
-        <p:blipFill>
-          <a:blip r:embed="rId2">
-            <a:extLst>
-              <a:ext uri="{28A0092B-C50C-407E-A947-70E740481C1C}">
-                <a14:useLocalDpi xmlns:a14="http://schemas.microsoft.com/office/drawing/2010/main" val="0"/>
-              </a:ext>
-            </a:extLst>
-          </a:blip>
-          <a:srcRect/>
-          <a:stretch>
-            <a:fillRect/>
-          </a:stretch>
-        </p:blipFill>
-        <p:spPr bwMode="auto">
-          <a:xfrm>
-            <a:off x="885825" y="2343150"/>
-            <a:ext cx="10096500" cy="2000250"/>
-          </a:xfrm>
-          <a:prstGeom prst="rect">
-            <a:avLst/>
-          </a:prstGeom>
-          <a:noFill/>
-          <a:ln>
-            <a:noFill/>
-          </a:ln>
-          <a:extLst>
-            <a:ext uri="{909E8E84-426E-40DD-AFC4-6F175D3DCCD1}">
-              <a14:hiddenFill xmlns:a14="http://schemas.microsoft.com/office/drawing/2010/main">
-                <a:solidFill>
-                  <a:schemeClr val="accent1"/>
-                </a:solidFill>
-              </a14:hiddenFill>
-            </a:ext>
-            <a:ext uri="{91240B29-F687-4F45-9708-019B960494DF}">
-              <a14:hiddenLine xmlns:a14="http://schemas.microsoft.com/office/drawing/2010/main" w="9525">
-                <a:solidFill>
-                  <a:schemeClr val="tx1"/>
-                </a:solidFill>
-                <a:miter lim="800000"/>
-                <a:headEnd/>
-                <a:tailEnd/>
-              </a14:hiddenLine>
-            </a:ext>
-          </a:extLst>
-        </p:spPr>
-      </p:pic>
       <p:sp>
         <p:nvSpPr>
           <p:cNvPr id="6" name="Rectangle 28">
             <a:extLst>
               <a:ext uri="{FF2B5EF4-FFF2-40B4-BE49-F238E27FC236}">
-                <a16:creationId xmlns:lc="http://schemas.openxmlformats.org/drawingml/2006/lockedCanvas" xmlns:a16="http://schemas.microsoft.com/office/drawing/2014/main" xmlns="" id="{160A91E4-9F92-44E1-8499-A3480159EBEE}"/>
+                <a16:creationId xmlns="" xmlns:a16="http://schemas.microsoft.com/office/drawing/2014/main" xmlns:lc="http://schemas.openxmlformats.org/drawingml/2006/lockedCanvas" id="{160A91E4-9F92-44E1-8499-A3480159EBEE}"/>
               </a:ext>
             </a:extLst>
           </p:cNvPr>
@@ -26682,7 +26620,7 @@
           <p:cNvPr id="7" name="Arrow: Left 1">
             <a:extLst>
               <a:ext uri="{FF2B5EF4-FFF2-40B4-BE49-F238E27FC236}">
-                <a16:creationId xmlns:lc="http://schemas.openxmlformats.org/drawingml/2006/lockedCanvas" xmlns:a16="http://schemas.microsoft.com/office/drawing/2014/main" xmlns="" id="{1AF5C6B3-81E2-45B5-A74F-E0346B328C5A}"/>
+                <a16:creationId xmlns="" xmlns:a16="http://schemas.microsoft.com/office/drawing/2014/main" xmlns:lc="http://schemas.openxmlformats.org/drawingml/2006/lockedCanvas" id="{1AF5C6B3-81E2-45B5-A74F-E0346B328C5A}"/>
               </a:ext>
             </a:extLst>
           </p:cNvPr>
@@ -26959,7 +26897,7 @@
           <p:cNvPr id="11" name="Rectangle 37">
             <a:extLst>
               <a:ext uri="{FF2B5EF4-FFF2-40B4-BE49-F238E27FC236}">
-                <a16:creationId xmlns:lc="http://schemas.openxmlformats.org/drawingml/2006/lockedCanvas" xmlns:a16="http://schemas.microsoft.com/office/drawing/2014/main" xmlns="" id="{49D3E780-5536-4EB8-B061-A7C9C23D6673}"/>
+                <a16:creationId xmlns="" xmlns:a16="http://schemas.microsoft.com/office/drawing/2014/main" xmlns:lc="http://schemas.openxmlformats.org/drawingml/2006/lockedCanvas" id="{49D3E780-5536-4EB8-B061-A7C9C23D6673}"/>
               </a:ext>
             </a:extLst>
           </p:cNvPr>
@@ -27107,7 +27045,7 @@
           <p:cNvPr id="12" name="Arrow: Left 1">
             <a:extLst>
               <a:ext uri="{FF2B5EF4-FFF2-40B4-BE49-F238E27FC236}">
-                <a16:creationId xmlns:lc="http://schemas.openxmlformats.org/drawingml/2006/lockedCanvas" xmlns:a16="http://schemas.microsoft.com/office/drawing/2014/main" xmlns="" id="{0DCD6692-2C9F-4D5D-A4BE-75930BA075FE}"/>
+                <a16:creationId xmlns="" xmlns:a16="http://schemas.microsoft.com/office/drawing/2014/main" xmlns:lc="http://schemas.openxmlformats.org/drawingml/2006/lockedCanvas" id="{0DCD6692-2C9F-4D5D-A4BE-75930BA075FE}"/>
               </a:ext>
             </a:extLst>
           </p:cNvPr>
@@ -27379,6 +27317,60 @@
           </a:p>
         </p:txBody>
       </p:sp>
+      <p:pic>
+        <p:nvPicPr>
+          <p:cNvPr id="2" name="Picture 2"/>
+          <p:cNvPicPr>
+            <a:picLocks noChangeAspect="1" noChangeArrowheads="1"/>
+          </p:cNvPicPr>
+          <p:nvPr/>
+        </p:nvPicPr>
+        <p:blipFill>
+          <a:blip r:embed="rId2">
+            <a:extLst>
+              <a:ext uri="{28A0092B-C50C-407E-A947-70E740481C1C}">
+                <a14:useLocalDpi xmlns:a14="http://schemas.microsoft.com/office/drawing/2010/main" val="0"/>
+              </a:ext>
+            </a:extLst>
+          </a:blip>
+          <a:srcRect/>
+          <a:stretch>
+            <a:fillRect/>
+          </a:stretch>
+        </p:blipFill>
+        <p:spPr bwMode="auto">
+          <a:xfrm>
+            <a:off x="1979964" y="2530864"/>
+            <a:ext cx="6562725" cy="1543050"/>
+          </a:xfrm>
+          <a:prstGeom prst="rect">
+            <a:avLst/>
+          </a:prstGeom>
+          <a:noFill/>
+          <a:ln>
+            <a:noFill/>
+          </a:ln>
+          <a:extLst>
+            <a:ext uri="{909E8E84-426E-40DD-AFC4-6F175D3DCCD1}">
+              <a14:hiddenFill xmlns:a14="http://schemas.microsoft.com/office/drawing/2010/main">
+                <a:solidFill>
+                  <a:schemeClr val="accent1"/>
+                </a:solidFill>
+              </a14:hiddenFill>
+            </a:ext>
+            <a:ext uri="{91240B29-F687-4F45-9708-019B960494DF}">
+              <a14:hiddenLine xmlns:a14="http://schemas.microsoft.com/office/drawing/2010/main" w="9525">
+                <a:solidFill>
+                  <a:schemeClr val="tx1"/>
+                </a:solidFill>
+                <a:miter lim="800000"/>
+                <a:headEnd/>
+                <a:tailEnd/>
+              </a14:hiddenLine>
+            </a:ext>
+          </a:extLst>
+        </p:spPr>
+      </p:pic>
     </p:spTree>
     <p:extLst>
       <p:ext uri="{BB962C8B-B14F-4D97-AF65-F5344CB8AC3E}">
@@ -27500,66 +27492,12 @@
           </a:p>
         </p:txBody>
       </p:sp>
-      <p:pic>
-        <p:nvPicPr>
-          <p:cNvPr id="4098" name="Picture 2"/>
-          <p:cNvPicPr>
-            <a:picLocks noChangeAspect="1" noChangeArrowheads="1"/>
-          </p:cNvPicPr>
-          <p:nvPr/>
-        </p:nvPicPr>
-        <p:blipFill>
-          <a:blip r:embed="rId2">
-            <a:extLst>
-              <a:ext uri="{28A0092B-C50C-407E-A947-70E740481C1C}">
-                <a14:useLocalDpi xmlns:a14="http://schemas.microsoft.com/office/drawing/2010/main" val="0"/>
-              </a:ext>
-            </a:extLst>
-          </a:blip>
-          <a:srcRect/>
-          <a:stretch>
-            <a:fillRect/>
-          </a:stretch>
-        </p:blipFill>
-        <p:spPr bwMode="auto">
-          <a:xfrm>
-            <a:off x="381000" y="571106"/>
-            <a:ext cx="7143750" cy="6100867"/>
-          </a:xfrm>
-          <a:prstGeom prst="rect">
-            <a:avLst/>
-          </a:prstGeom>
-          <a:noFill/>
-          <a:ln>
-            <a:noFill/>
-          </a:ln>
-          <a:extLst>
-            <a:ext uri="{909E8E84-426E-40DD-AFC4-6F175D3DCCD1}">
-              <a14:hiddenFill xmlns:a14="http://schemas.microsoft.com/office/drawing/2010/main">
-                <a:solidFill>
-                  <a:schemeClr val="accent1"/>
-                </a:solidFill>
-              </a14:hiddenFill>
-            </a:ext>
-            <a:ext uri="{91240B29-F687-4F45-9708-019B960494DF}">
-              <a14:hiddenLine xmlns:a14="http://schemas.microsoft.com/office/drawing/2010/main" w="9525">
-                <a:solidFill>
-                  <a:schemeClr val="tx1"/>
-                </a:solidFill>
-                <a:miter lim="800000"/>
-                <a:headEnd/>
-                <a:tailEnd/>
-              </a14:hiddenLine>
-            </a:ext>
-          </a:extLst>
-        </p:spPr>
-      </p:pic>
       <p:sp>
         <p:nvSpPr>
           <p:cNvPr id="10" name="Arrow: Pentagon 2">
             <a:extLst>
               <a:ext uri="{FF2B5EF4-FFF2-40B4-BE49-F238E27FC236}">
-                <a16:creationId xmlns:lc="http://schemas.openxmlformats.org/drawingml/2006/lockedCanvas" xmlns:a16="http://schemas.microsoft.com/office/drawing/2014/main" xmlns="" id="{FD9C7E57-479F-43DA-8F71-D1ED1D859C78}"/>
+                <a16:creationId xmlns="" xmlns:a16="http://schemas.microsoft.com/office/drawing/2014/main" xmlns:lc="http://schemas.openxmlformats.org/drawingml/2006/lockedCanvas" id="{FD9C7E57-479F-43DA-8F71-D1ED1D859C78}"/>
               </a:ext>
             </a:extLst>
           </p:cNvPr>
@@ -27568,7 +27506,7 @@
         </p:nvSpPr>
         <p:spPr>
           <a:xfrm rot="10800000">
-            <a:off x="7839075" y="330304"/>
+            <a:off x="7839074" y="1004913"/>
             <a:ext cx="3933825" cy="881653"/>
           </a:xfrm>
           <a:prstGeom prst="homePlate">
@@ -27708,7 +27646,7 @@
         </p:nvSpPr>
         <p:spPr>
           <a:xfrm>
-            <a:off x="8505825" y="361162"/>
+            <a:off x="8505824" y="1035771"/>
             <a:ext cx="3162300" cy="784830"/>
           </a:xfrm>
           <a:prstGeom prst="rect">
@@ -27729,7 +27667,7 @@
                 </a:solidFill>
                 <a:latin typeface="Noto Sans"/>
               </a:rPr>
-              <a:t>Wczytujemy wytrenowany model XGBoost i oceniamy nim, jakie epoki przypomina nasz wiersz</a:t>
+              <a:t>W tle wczytujemy model XGBoost i oceniamy nim, jakie epoki przypomina nasz wiersz</a:t>
             </a:r>
             <a:endParaRPr lang="pl-PL" sz="1500" b="1" dirty="0">
               <a:solidFill>
@@ -27745,7 +27683,7 @@
           <p:cNvPr id="12" name="Arrow: Pentagon 2">
             <a:extLst>
               <a:ext uri="{FF2B5EF4-FFF2-40B4-BE49-F238E27FC236}">
-                <a16:creationId xmlns:lc="http://schemas.openxmlformats.org/drawingml/2006/lockedCanvas" xmlns:a16="http://schemas.microsoft.com/office/drawing/2014/main" xmlns="" id="{FD9C7E57-479F-43DA-8F71-D1ED1D859C78}"/>
+                <a16:creationId xmlns="" xmlns:a16="http://schemas.microsoft.com/office/drawing/2014/main" xmlns:lc="http://schemas.openxmlformats.org/drawingml/2006/lockedCanvas" id="{FD9C7E57-479F-43DA-8F71-D1ED1D859C78}"/>
               </a:ext>
             </a:extLst>
           </p:cNvPr>
@@ -27754,7 +27692,7 @@
         </p:nvSpPr>
         <p:spPr>
           <a:xfrm rot="10800000">
-            <a:off x="7839074" y="4623009"/>
+            <a:off x="7839073" y="3397353"/>
             <a:ext cx="3933825" cy="881653"/>
           </a:xfrm>
           <a:prstGeom prst="homePlate">
@@ -27894,7 +27832,7 @@
         </p:nvSpPr>
         <p:spPr>
           <a:xfrm>
-            <a:off x="8610601" y="4671420"/>
+            <a:off x="8610600" y="3445764"/>
             <a:ext cx="2819400" cy="784830"/>
           </a:xfrm>
           <a:prstGeom prst="rect">
@@ -27944,6 +27882,60 @@
           </a:p>
         </p:txBody>
       </p:sp>
+      <p:pic>
+        <p:nvPicPr>
+          <p:cNvPr id="2" name="Picture 2"/>
+          <p:cNvPicPr>
+            <a:picLocks noChangeAspect="1" noChangeArrowheads="1"/>
+          </p:cNvPicPr>
+          <p:nvPr/>
+        </p:nvPicPr>
+        <p:blipFill>
+          <a:blip r:embed="rId2">
+            <a:extLst>
+              <a:ext uri="{28A0092B-C50C-407E-A947-70E740481C1C}">
+                <a14:useLocalDpi xmlns:a14="http://schemas.microsoft.com/office/drawing/2010/main" val="0"/>
+              </a:ext>
+            </a:extLst>
+          </a:blip>
+          <a:srcRect/>
+          <a:stretch>
+            <a:fillRect/>
+          </a:stretch>
+        </p:blipFill>
+        <p:spPr bwMode="auto">
+          <a:xfrm>
+            <a:off x="271465" y="1102837"/>
+            <a:ext cx="7224712" cy="4624141"/>
+          </a:xfrm>
+          <a:prstGeom prst="rect">
+            <a:avLst/>
+          </a:prstGeom>
+          <a:noFill/>
+          <a:ln>
+            <a:noFill/>
+          </a:ln>
+          <a:extLst>
+            <a:ext uri="{909E8E84-426E-40DD-AFC4-6F175D3DCCD1}">
+              <a14:hiddenFill xmlns:a14="http://schemas.microsoft.com/office/drawing/2010/main">
+                <a:solidFill>
+                  <a:schemeClr val="accent1"/>
+                </a:solidFill>
+              </a14:hiddenFill>
+            </a:ext>
+            <a:ext uri="{91240B29-F687-4F45-9708-019B960494DF}">
+              <a14:hiddenLine xmlns:a14="http://schemas.microsoft.com/office/drawing/2010/main" w="9525">
+                <a:solidFill>
+                  <a:schemeClr val="tx1"/>
+                </a:solidFill>
+                <a:miter lim="800000"/>
+                <a:headEnd/>
+                <a:tailEnd/>
+              </a14:hiddenLine>
+            </a:ext>
+          </a:extLst>
+        </p:spPr>
+      </p:pic>
     </p:spTree>
     <p:extLst>
       <p:ext uri="{BB962C8B-B14F-4D97-AF65-F5344CB8AC3E}">
@@ -27979,7 +27971,7 @@
           <p:cNvPr id="5" name="Arrow: Pentagon 2">
             <a:extLst>
               <a:ext uri="{FF2B5EF4-FFF2-40B4-BE49-F238E27FC236}">
-                <a16:creationId xmlns:lc="http://schemas.openxmlformats.org/drawingml/2006/lockedCanvas" xmlns:a16="http://schemas.microsoft.com/office/drawing/2014/main" xmlns="" id="{FD9C7E57-479F-43DA-8F71-D1ED1D859C78}"/>
+                <a16:creationId xmlns="" xmlns:a16="http://schemas.microsoft.com/office/drawing/2014/main" xmlns:lc="http://schemas.openxmlformats.org/drawingml/2006/lockedCanvas" id="{FD9C7E57-479F-43DA-8F71-D1ED1D859C78}"/>
               </a:ext>
             </a:extLst>
           </p:cNvPr>
@@ -27988,7 +27980,7 @@
         </p:nvSpPr>
         <p:spPr>
           <a:xfrm>
-            <a:off x="390523" y="963521"/>
+            <a:off x="390520" y="2176581"/>
             <a:ext cx="3933825" cy="881653"/>
           </a:xfrm>
           <a:prstGeom prst="homePlate">
@@ -28128,8 +28120,8 @@
         </p:nvSpPr>
         <p:spPr>
           <a:xfrm>
-            <a:off x="533400" y="1011932"/>
-            <a:ext cx="2819400" cy="784830"/>
+            <a:off x="533397" y="2224992"/>
+            <a:ext cx="3000378" cy="784830"/>
           </a:xfrm>
           <a:prstGeom prst="rect">
             <a:avLst/>
@@ -28149,7 +28141,16 @@
                 </a:solidFill>
                 <a:latin typeface="Noto Sans"/>
               </a:rPr>
-              <a:t>Tworzymy w Pytonie formatki slajdów i wypełniamy je treścią</a:t>
+              <a:t>Tworzymy w Pytonie formatki slajdów, wypełniamy je treścią i tworzymy plik .</a:t>
+            </a:r>
+            <a:r>
+              <a:rPr lang="pl-PL" sz="1500" b="1" dirty="0" err="1" smtClean="0">
+                <a:solidFill>
+                  <a:schemeClr val="bg1"/>
+                </a:solidFill>
+                <a:latin typeface="Noto Sans"/>
+              </a:rPr>
+              <a:t>pptx</a:t>
             </a:r>
             <a:endParaRPr lang="pl-PL" sz="1500" b="1" dirty="0">
               <a:solidFill>
@@ -28165,7 +28166,7 @@
           <p:cNvPr id="8" name="Arrow: Pentagon 2">
             <a:extLst>
               <a:ext uri="{FF2B5EF4-FFF2-40B4-BE49-F238E27FC236}">
-                <a16:creationId xmlns:lc="http://schemas.openxmlformats.org/drawingml/2006/lockedCanvas" xmlns:a16="http://schemas.microsoft.com/office/drawing/2014/main" xmlns="" id="{FD9C7E57-479F-43DA-8F71-D1ED1D859C78}"/>
+                <a16:creationId xmlns="" xmlns:a16="http://schemas.microsoft.com/office/drawing/2014/main" xmlns:lc="http://schemas.openxmlformats.org/drawingml/2006/lockedCanvas" id="{FD9C7E57-479F-43DA-8F71-D1ED1D859C78}"/>
               </a:ext>
             </a:extLst>
           </p:cNvPr>
@@ -28174,7 +28175,7 @@
         </p:nvSpPr>
         <p:spPr>
           <a:xfrm>
-            <a:off x="390521" y="5334982"/>
+            <a:off x="390521" y="3156947"/>
             <a:ext cx="3933825" cy="881653"/>
           </a:xfrm>
           <a:prstGeom prst="homePlate">
@@ -28314,7 +28315,7 @@
         </p:nvSpPr>
         <p:spPr>
           <a:xfrm>
-            <a:off x="533399" y="5383393"/>
+            <a:off x="533399" y="3205358"/>
             <a:ext cx="3000376" cy="784830"/>
           </a:xfrm>
           <a:prstGeom prst="rect">
@@ -28335,7 +28336,7 @@
                 </a:solidFill>
                 <a:latin typeface="Noto Sans"/>
               </a:rPr>
-              <a:t>Zapisujemy slajdy do pliku .pptx z wierszem i rezultatami analizy epok literackich</a:t>
+              <a:t>Plik z prezentacją pobiera się automatycznie na dysk Twojego komputera</a:t>
             </a:r>
             <a:endParaRPr lang="pl-PL" sz="1500" b="1" dirty="0">
               <a:solidFill>
@@ -28348,7 +28349,7 @@
       </p:sp>
       <p:pic>
         <p:nvPicPr>
-          <p:cNvPr id="6146" name="Picture 2"/>
+          <p:cNvPr id="6148" name="Picture 4"/>
           <p:cNvPicPr>
             <a:picLocks noChangeAspect="1" noChangeArrowheads="1"/>
           </p:cNvPicPr>
@@ -28356,114 +28357,6 @@
         </p:nvPicPr>
         <p:blipFill>
           <a:blip r:embed="rId2">
-            <a:extLst>
-              <a:ext uri="{28A0092B-C50C-407E-A947-70E740481C1C}">
-                <a14:useLocalDpi xmlns:a14="http://schemas.microsoft.com/office/drawing/2010/main" val="0"/>
-              </a:ext>
-            </a:extLst>
-          </a:blip>
-          <a:srcRect/>
-          <a:stretch>
-            <a:fillRect/>
-          </a:stretch>
-        </p:blipFill>
-        <p:spPr bwMode="auto">
-          <a:xfrm>
-            <a:off x="4619625" y="183974"/>
-            <a:ext cx="6757988" cy="4928274"/>
-          </a:xfrm>
-          <a:prstGeom prst="rect">
-            <a:avLst/>
-          </a:prstGeom>
-          <a:noFill/>
-          <a:ln>
-            <a:noFill/>
-          </a:ln>
-          <a:extLst>
-            <a:ext uri="{909E8E84-426E-40DD-AFC4-6F175D3DCCD1}">
-              <a14:hiddenFill xmlns:a14="http://schemas.microsoft.com/office/drawing/2010/main">
-                <a:solidFill>
-                  <a:schemeClr val="accent1"/>
-                </a:solidFill>
-              </a14:hiddenFill>
-            </a:ext>
-            <a:ext uri="{91240B29-F687-4F45-9708-019B960494DF}">
-              <a14:hiddenLine xmlns:a14="http://schemas.microsoft.com/office/drawing/2010/main" w="9525">
-                <a:solidFill>
-                  <a:schemeClr val="tx1"/>
-                </a:solidFill>
-                <a:miter lim="800000"/>
-                <a:headEnd/>
-                <a:tailEnd/>
-              </a14:hiddenLine>
-            </a:ext>
-          </a:extLst>
-        </p:spPr>
-      </p:pic>
-      <p:pic>
-        <p:nvPicPr>
-          <p:cNvPr id="6147" name="Picture 3"/>
-          <p:cNvPicPr>
-            <a:picLocks noChangeAspect="1" noChangeArrowheads="1"/>
-          </p:cNvPicPr>
-          <p:nvPr/>
-        </p:nvPicPr>
-        <p:blipFill>
-          <a:blip r:embed="rId3">
-            <a:extLst>
-              <a:ext uri="{28A0092B-C50C-407E-A947-70E740481C1C}">
-                <a14:useLocalDpi xmlns:a14="http://schemas.microsoft.com/office/drawing/2010/main" val="0"/>
-              </a:ext>
-            </a:extLst>
-          </a:blip>
-          <a:srcRect/>
-          <a:stretch>
-            <a:fillRect/>
-          </a:stretch>
-        </p:blipFill>
-        <p:spPr bwMode="auto">
-          <a:xfrm>
-            <a:off x="4705350" y="5264646"/>
-            <a:ext cx="6415088" cy="1243093"/>
-          </a:xfrm>
-          <a:prstGeom prst="rect">
-            <a:avLst/>
-          </a:prstGeom>
-          <a:noFill/>
-          <a:ln>
-            <a:noFill/>
-          </a:ln>
-          <a:extLst>
-            <a:ext uri="{909E8E84-426E-40DD-AFC4-6F175D3DCCD1}">
-              <a14:hiddenFill xmlns:a14="http://schemas.microsoft.com/office/drawing/2010/main">
-                <a:solidFill>
-                  <a:schemeClr val="accent1"/>
-                </a:solidFill>
-              </a14:hiddenFill>
-            </a:ext>
-            <a:ext uri="{91240B29-F687-4F45-9708-019B960494DF}">
-              <a14:hiddenLine xmlns:a14="http://schemas.microsoft.com/office/drawing/2010/main" w="9525">
-                <a:solidFill>
-                  <a:schemeClr val="tx1"/>
-                </a:solidFill>
-                <a:miter lim="800000"/>
-                <a:headEnd/>
-                <a:tailEnd/>
-              </a14:hiddenLine>
-            </a:ext>
-          </a:extLst>
-        </p:spPr>
-      </p:pic>
-      <p:pic>
-        <p:nvPicPr>
-          <p:cNvPr id="6148" name="Picture 4"/>
-          <p:cNvPicPr>
-            <a:picLocks noChangeAspect="1" noChangeArrowheads="1"/>
-          </p:cNvPicPr>
-          <p:nvPr/>
-        </p:nvPicPr>
-        <p:blipFill>
-          <a:blip r:embed="rId4">
             <a:extLst>
               <a:ext uri="{28A0092B-C50C-407E-A947-70E740481C1C}">
                 <a14:useLocalDpi xmlns:a14="http://schemas.microsoft.com/office/drawing/2010/main" val="0"/>
@@ -28517,7 +28410,7 @@
           <p:nvPr/>
         </p:nvPicPr>
         <p:blipFill>
-          <a:blip r:embed="rId4">
+          <a:blip r:embed="rId2">
             <a:extLst>
               <a:ext uri="{28A0092B-C50C-407E-A947-70E740481C1C}">
                 <a14:useLocalDpi xmlns:a14="http://schemas.microsoft.com/office/drawing/2010/main" val="0"/>
@@ -28571,7 +28464,7 @@
           <p:nvPr/>
         </p:nvPicPr>
         <p:blipFill>
-          <a:blip r:embed="rId4">
+          <a:blip r:embed="rId2">
             <a:extLst>
               <a:ext uri="{28A0092B-C50C-407E-A947-70E740481C1C}">
                 <a14:useLocalDpi xmlns:a14="http://schemas.microsoft.com/office/drawing/2010/main" val="0"/>
@@ -28587,6 +28480,60 @@
           <a:xfrm>
             <a:off x="10982326" y="6012439"/>
             <a:ext cx="438150" cy="495300"/>
+          </a:xfrm>
+          <a:prstGeom prst="rect">
+            <a:avLst/>
+          </a:prstGeom>
+          <a:noFill/>
+          <a:ln>
+            <a:noFill/>
+          </a:ln>
+          <a:extLst>
+            <a:ext uri="{909E8E84-426E-40DD-AFC4-6F175D3DCCD1}">
+              <a14:hiddenFill xmlns:a14="http://schemas.microsoft.com/office/drawing/2010/main">
+                <a:solidFill>
+                  <a:schemeClr val="accent1"/>
+                </a:solidFill>
+              </a14:hiddenFill>
+            </a:ext>
+            <a:ext uri="{91240B29-F687-4F45-9708-019B960494DF}">
+              <a14:hiddenLine xmlns:a14="http://schemas.microsoft.com/office/drawing/2010/main" w="9525">
+                <a:solidFill>
+                  <a:schemeClr val="tx1"/>
+                </a:solidFill>
+                <a:miter lim="800000"/>
+                <a:headEnd/>
+                <a:tailEnd/>
+              </a14:hiddenLine>
+            </a:ext>
+          </a:extLst>
+        </p:spPr>
+      </p:pic>
+      <p:pic>
+        <p:nvPicPr>
+          <p:cNvPr id="5122" name="Picture 2"/>
+          <p:cNvPicPr>
+            <a:picLocks noChangeAspect="1" noChangeArrowheads="1"/>
+          </p:cNvPicPr>
+          <p:nvPr/>
+        </p:nvPicPr>
+        <p:blipFill>
+          <a:blip r:embed="rId3">
+            <a:extLst>
+              <a:ext uri="{28A0092B-C50C-407E-A947-70E740481C1C}">
+                <a14:useLocalDpi xmlns:a14="http://schemas.microsoft.com/office/drawing/2010/main" val="0"/>
+              </a:ext>
+            </a:extLst>
+          </a:blip>
+          <a:srcRect/>
+          <a:stretch>
+            <a:fillRect/>
+          </a:stretch>
+        </p:blipFill>
+        <p:spPr bwMode="auto">
+          <a:xfrm>
+            <a:off x="5253038" y="2495550"/>
+            <a:ext cx="4714875" cy="1543050"/>
           </a:xfrm>
           <a:prstGeom prst="rect">
             <a:avLst/>
@@ -28694,16 +28641,7 @@
                 </a:solidFill>
                 <a:latin typeface="Noto Sans"/>
               </a:rPr>
-              <a:t>ynik </a:t>
-            </a:r>
-            <a:r>
-              <a:rPr lang="pl-PL" sz="9000" b="1" dirty="0" smtClean="0">
-                <a:solidFill>
-                  <a:srgbClr val="FFC000"/>
-                </a:solidFill>
-                <a:latin typeface="Noto Sans"/>
-              </a:rPr>
-              <a:t>działania kodu</a:t>
+              <a:t>ynik działania kodu</a:t>
             </a:r>
             <a:endParaRPr lang="pl-PL" sz="9000" b="1" dirty="0">
               <a:solidFill>
@@ -28898,7 +28836,7 @@
           <p:cNvPr id="17" name="Oval 1">
             <a:extLst>
               <a:ext uri="{FF2B5EF4-FFF2-40B4-BE49-F238E27FC236}">
-                <a16:creationId xmlns:lc="http://schemas.openxmlformats.org/drawingml/2006/lockedCanvas" xmlns:a16="http://schemas.microsoft.com/office/drawing/2014/main" xmlns="" id="{F7752CD2-720D-4B75-A031-BBF07A134EAD}"/>
+                <a16:creationId xmlns="" xmlns:a16="http://schemas.microsoft.com/office/drawing/2014/main" xmlns:lc="http://schemas.openxmlformats.org/drawingml/2006/lockedCanvas" id="{F7752CD2-720D-4B75-A031-BBF07A134EAD}"/>
               </a:ext>
             </a:extLst>
           </p:cNvPr>
@@ -29044,7 +28982,7 @@
           <p:cNvPr id="18" name="Oval 8">
             <a:extLst>
               <a:ext uri="{FF2B5EF4-FFF2-40B4-BE49-F238E27FC236}">
-                <a16:creationId xmlns:lc="http://schemas.openxmlformats.org/drawingml/2006/lockedCanvas" xmlns:a16="http://schemas.microsoft.com/office/drawing/2014/main" xmlns="" id="{D6E44039-0D40-44BB-A1E6-74017E85BAEA}"/>
+                <a16:creationId xmlns="" xmlns:a16="http://schemas.microsoft.com/office/drawing/2014/main" xmlns:lc="http://schemas.openxmlformats.org/drawingml/2006/lockedCanvas" id="{D6E44039-0D40-44BB-A1E6-74017E85BAEA}"/>
               </a:ext>
             </a:extLst>
           </p:cNvPr>
@@ -29190,7 +29128,7 @@
           <p:cNvPr id="19" name="Oval 9">
             <a:extLst>
               <a:ext uri="{FF2B5EF4-FFF2-40B4-BE49-F238E27FC236}">
-                <a16:creationId xmlns:lc="http://schemas.openxmlformats.org/drawingml/2006/lockedCanvas" xmlns:a16="http://schemas.microsoft.com/office/drawing/2014/main" xmlns="" id="{8CE0D343-2635-4870-90AC-A392F924EF2F}"/>
+                <a16:creationId xmlns="" xmlns:a16="http://schemas.microsoft.com/office/drawing/2014/main" xmlns:lc="http://schemas.openxmlformats.org/drawingml/2006/lockedCanvas" id="{8CE0D343-2635-4870-90AC-A392F924EF2F}"/>
               </a:ext>
             </a:extLst>
           </p:cNvPr>
@@ -29336,7 +29274,7 @@
           <p:cNvPr id="20" name="Oval 10">
             <a:extLst>
               <a:ext uri="{FF2B5EF4-FFF2-40B4-BE49-F238E27FC236}">
-                <a16:creationId xmlns:lc="http://schemas.openxmlformats.org/drawingml/2006/lockedCanvas" xmlns:a16="http://schemas.microsoft.com/office/drawing/2014/main" xmlns="" id="{39FAA2AD-6D2D-4400-80AF-2D7933E61E1D}"/>
+                <a16:creationId xmlns="" xmlns:a16="http://schemas.microsoft.com/office/drawing/2014/main" xmlns:lc="http://schemas.openxmlformats.org/drawingml/2006/lockedCanvas" id="{39FAA2AD-6D2D-4400-80AF-2D7933E61E1D}"/>
               </a:ext>
             </a:extLst>
           </p:cNvPr>
@@ -29482,7 +29420,7 @@
           <p:cNvPr id="21" name="Oval 11">
             <a:extLst>
               <a:ext uri="{FF2B5EF4-FFF2-40B4-BE49-F238E27FC236}">
-                <a16:creationId xmlns:lc="http://schemas.openxmlformats.org/drawingml/2006/lockedCanvas" xmlns:a16="http://schemas.microsoft.com/office/drawing/2014/main" xmlns="" id="{818C94B7-8370-4742-87CB-D453371EBF4C}"/>
+                <a16:creationId xmlns="" xmlns:a16="http://schemas.microsoft.com/office/drawing/2014/main" xmlns:lc="http://schemas.openxmlformats.org/drawingml/2006/lockedCanvas" id="{818C94B7-8370-4742-87CB-D453371EBF4C}"/>
               </a:ext>
             </a:extLst>
           </p:cNvPr>
@@ -29625,7 +29563,7 @@
           <p:cNvPr id="22" name="Oval 12">
             <a:extLst>
               <a:ext uri="{FF2B5EF4-FFF2-40B4-BE49-F238E27FC236}">
-                <a16:creationId xmlns:lc="http://schemas.openxmlformats.org/drawingml/2006/lockedCanvas" xmlns:a16="http://schemas.microsoft.com/office/drawing/2014/main" xmlns="" id="{B2807723-AC4A-4163-9139-7ED2A9CBBD5F}"/>
+                <a16:creationId xmlns="" xmlns:a16="http://schemas.microsoft.com/office/drawing/2014/main" xmlns:lc="http://schemas.openxmlformats.org/drawingml/2006/lockedCanvas" id="{B2807723-AC4A-4163-9139-7ED2A9CBBD5F}"/>
               </a:ext>
             </a:extLst>
           </p:cNvPr>
@@ -29825,9 +29763,6 @@
               </a:rPr>
               <a:t>Ale nie musisz nam wierzyć na słowo…</a:t>
             </a:r>
-            <a:endParaRPr lang="pl-PL" sz="7000" b="1" dirty="0" smtClean="0">
-              <a:latin typeface="Noto Sans"/>
-            </a:endParaRPr>
           </a:p>
           <a:p>
             <a:pPr algn="ctr"/>
@@ -30252,9 +30187,6 @@
               </a:rPr>
               <a:t>zapraszają Was </a:t>
             </a:r>
-            <a:endParaRPr lang="pl-PL" sz="7000" b="1" dirty="0" smtClean="0">
-              <a:latin typeface="Noto Sans"/>
-            </a:endParaRPr>
           </a:p>
         </p:txBody>
       </p:sp>
@@ -30424,23 +30356,8 @@
                 </a:solidFill>
                 <a:latin typeface="Noto Sans"/>
               </a:rPr>
-              <a:t>p</a:t>
+              <a:t>profil na </a:t>
             </a:r>
-            <a:r>
-              <a:rPr lang="pl-PL" sz="9000" b="1" dirty="0">
-                <a:solidFill>
-                  <a:srgbClr val="FFC000"/>
-                </a:solidFill>
-                <a:latin typeface="Noto Sans"/>
-              </a:rPr>
-              <a:t>rofil na </a:t>
-            </a:r>
-            <a:endParaRPr lang="pl-PL" sz="9000" b="1" dirty="0">
-              <a:solidFill>
-                <a:srgbClr val="FFC000"/>
-              </a:solidFill>
-              <a:latin typeface="Noto Sans"/>
-            </a:endParaRPr>
           </a:p>
         </p:txBody>
       </p:sp>
@@ -30471,14 +30388,7 @@
                 <a:latin typeface="Noto Sans"/>
                 <a:hlinkClick r:id="rId3"/>
               </a:rPr>
-              <a:t>https://</a:t>
-            </a:r>
-            <a:r>
-              <a:rPr lang="pl-PL" sz="3500" dirty="0">
-                <a:latin typeface="Noto Sans"/>
-                <a:hlinkClick r:id="rId3"/>
-              </a:rPr>
-              <a:t>github.com/kuba-lakrystian/AI_Art</a:t>
+              <a:t>https://github.com/kuba-lakrystian/AI_Art</a:t>
             </a:r>
             <a:r>
               <a:rPr lang="pl-PL" sz="3500" dirty="0">
@@ -30486,7 +30396,87 @@
               </a:rPr>
               <a:t> </a:t>
             </a:r>
-            <a:endParaRPr lang="pl-PL" sz="3500" dirty="0">
+          </a:p>
+        </p:txBody>
+      </p:sp>
+    </p:spTree>
+    <p:extLst>
+      <p:ext uri="{BB962C8B-B14F-4D97-AF65-F5344CB8AC3E}">
+        <p14:creationId xmlns:p14="http://schemas.microsoft.com/office/powerpoint/2010/main" val="2235469401"/>
+      </p:ext>
+    </p:extLst>
+  </p:cSld>
+  <p:clrMapOvr>
+    <a:masterClrMapping/>
+  </p:clrMapOvr>
+</p:sld>
+</file>
+
+<file path=ppt/slides/slide21.xml><?xml version="1.0" encoding="utf-8"?>
+<p:sld xmlns:a="http://schemas.openxmlformats.org/drawingml/2006/main" xmlns:r="http://schemas.openxmlformats.org/officeDocument/2006/relationships" xmlns:p="http://schemas.openxmlformats.org/presentationml/2006/main">
+  <p:cSld>
+    <p:spTree>
+      <p:nvGrpSpPr>
+        <p:cNvPr id="1" name=""/>
+        <p:cNvGrpSpPr/>
+        <p:nvPr/>
+      </p:nvGrpSpPr>
+      <p:grpSpPr>
+        <a:xfrm>
+          <a:off x="0" y="0"/>
+          <a:ext cx="0" cy="0"/>
+          <a:chOff x="0" y="0"/>
+          <a:chExt cx="0" cy="0"/>
+        </a:xfrm>
+      </p:grpSpPr>
+      <p:sp>
+        <p:nvSpPr>
+          <p:cNvPr id="2" name="pole tekstowe 1"/>
+          <p:cNvSpPr txBox="1"/>
+          <p:nvPr/>
+        </p:nvSpPr>
+        <p:spPr>
+          <a:xfrm>
+            <a:off x="514350" y="981073"/>
+            <a:ext cx="11201400" cy="4708981"/>
+          </a:xfrm>
+          <a:prstGeom prst="rect">
+            <a:avLst/>
+          </a:prstGeom>
+          <a:noFill/>
+        </p:spPr>
+        <p:txBody>
+          <a:bodyPr wrap="square" rtlCol="0">
+            <a:spAutoFit/>
+          </a:bodyPr>
+          <a:lstStyle/>
+          <a:p>
+            <a:pPr algn="ctr"/>
+            <a:r>
+              <a:rPr lang="pl-PL" sz="7000" b="1" dirty="0" smtClean="0">
+                <a:latin typeface="Noto Sans"/>
+              </a:rPr>
+              <a:t>Mamy nadzieję, że teraz każdy może poczuć się poetą!</a:t>
+            </a:r>
+            <a:endParaRPr lang="pl-PL" sz="7000" b="1" dirty="0" smtClean="0">
+              <a:latin typeface="Noto Sans"/>
+            </a:endParaRPr>
+          </a:p>
+          <a:p>
+            <a:pPr algn="ctr"/>
+            <a:r>
+              <a:rPr lang="pl-PL" sz="9000" b="1" dirty="0" smtClean="0">
+                <a:solidFill>
+                  <a:srgbClr val="FFC000"/>
+                </a:solidFill>
+                <a:latin typeface="Noto Sans"/>
+              </a:rPr>
+              <a:t>Dzięki za uwagę!</a:t>
+            </a:r>
+            <a:endParaRPr lang="pl-PL" sz="9000" b="1" dirty="0">
+              <a:solidFill>
+                <a:srgbClr val="FFC000"/>
+              </a:solidFill>
               <a:latin typeface="Noto Sans"/>
             </a:endParaRPr>
           </a:p>
@@ -30495,7 +30485,7 @@
     </p:spTree>
     <p:extLst>
       <p:ext uri="{BB962C8B-B14F-4D97-AF65-F5344CB8AC3E}">
-        <p14:creationId xmlns:p14="http://schemas.microsoft.com/office/powerpoint/2010/main" val="2235469401"/>
+        <p14:creationId xmlns:p14="http://schemas.microsoft.com/office/powerpoint/2010/main" val="622409475"/>
       </p:ext>
     </p:extLst>
   </p:cSld>
@@ -30645,9 +30635,6 @@
               </a:rPr>
               <a:t>Czyli…</a:t>
             </a:r>
-            <a:endParaRPr lang="pl-PL" sz="7000" b="1" dirty="0" smtClean="0">
-              <a:latin typeface="Noto Sans"/>
-            </a:endParaRPr>
           </a:p>
         </p:txBody>
       </p:sp>
@@ -30763,13 +30750,7 @@
               <a:rPr lang="pl-PL" sz="1600" dirty="0" smtClean="0">
                 <a:latin typeface="Noto Sans"/>
               </a:rPr>
-              <a:t>spiera </a:t>
-            </a:r>
-            <a:r>
-              <a:rPr lang="pl-PL" sz="1600" dirty="0" smtClean="0">
-                <a:latin typeface="Noto Sans"/>
-              </a:rPr>
-              <a:t>CRM i CLM klientów SME.</a:t>
+              <a:t>spiera CRM i CLM klientów SME.</a:t>
             </a:r>
           </a:p>
           <a:p>
@@ -30901,23 +30882,8 @@
               <a:rPr lang="pl-PL" sz="1600" dirty="0" smtClean="0">
                 <a:latin typeface="Noto Sans"/>
               </a:rPr>
-              <a:t>racuje </a:t>
+              <a:t>racuje nad modelami i procesem kredytów „na klik”.</a:t>
             </a:r>
-            <a:r>
-              <a:rPr lang="pl-PL" sz="1600" dirty="0" smtClean="0">
-                <a:latin typeface="Noto Sans"/>
-              </a:rPr>
-              <a:t>nad modelami i procesem kredytów „na klik</a:t>
-            </a:r>
-            <a:r>
-              <a:rPr lang="pl-PL" sz="1600" dirty="0" smtClean="0">
-                <a:latin typeface="Noto Sans"/>
-              </a:rPr>
-              <a:t>”.</a:t>
-            </a:r>
-            <a:endParaRPr lang="pl-PL" sz="1600" dirty="0" smtClean="0">
-              <a:latin typeface="Noto Sans"/>
-            </a:endParaRPr>
           </a:p>
         </p:txBody>
       </p:sp>
@@ -31223,7 +31189,7 @@
           <p:cNvPr id="2" name="Oval 1">
             <a:extLst>
               <a:ext uri="{FF2B5EF4-FFF2-40B4-BE49-F238E27FC236}">
-                <a16:creationId xmlns:a16="http://schemas.microsoft.com/office/drawing/2014/main" xmlns="" id="{B8D28336-9E4A-4CEB-AC8A-4C3A1CD2138F}"/>
+                <a16:creationId xmlns="" xmlns:a16="http://schemas.microsoft.com/office/drawing/2014/main" id="{B8D28336-9E4A-4CEB-AC8A-4C3A1CD2138F}"/>
               </a:ext>
             </a:extLst>
           </p:cNvPr>
@@ -31275,7 +31241,7 @@
           <p:cNvPr id="12" name="TextBox 11">
             <a:extLst>
               <a:ext uri="{FF2B5EF4-FFF2-40B4-BE49-F238E27FC236}">
-                <a16:creationId xmlns:a16="http://schemas.microsoft.com/office/drawing/2014/main" xmlns="" id="{DB0A9C50-B290-4C30-A65A-9D7AB111D154}"/>
+                <a16:creationId xmlns="" xmlns:a16="http://schemas.microsoft.com/office/drawing/2014/main" id="{DB0A9C50-B290-4C30-A65A-9D7AB111D154}"/>
               </a:ext>
             </a:extLst>
           </p:cNvPr>
@@ -32146,7 +32112,7 @@
           <p:cNvPr id="20" name="TextBox 19">
             <a:extLst>
               <a:ext uri="{FF2B5EF4-FFF2-40B4-BE49-F238E27FC236}">
-                <a16:creationId xmlns:a16="http://schemas.microsoft.com/office/drawing/2014/main" xmlns="" id="{8016977A-112F-4154-95F5-0608714FBFEE}"/>
+                <a16:creationId xmlns="" xmlns:a16="http://schemas.microsoft.com/office/drawing/2014/main" id="{8016977A-112F-4154-95F5-0608714FBFEE}"/>
               </a:ext>
             </a:extLst>
           </p:cNvPr>
@@ -32296,7 +32262,7 @@
           <p:cNvPr id="8" name="Oval 7">
             <a:extLst>
               <a:ext uri="{FF2B5EF4-FFF2-40B4-BE49-F238E27FC236}">
-                <a16:creationId xmlns:a16="http://schemas.microsoft.com/office/drawing/2014/main" xmlns="" id="{D9910EDC-8DAE-4076-ADE4-51A7C782CC59}"/>
+                <a16:creationId xmlns="" xmlns:a16="http://schemas.microsoft.com/office/drawing/2014/main" id="{D9910EDC-8DAE-4076-ADE4-51A7C782CC59}"/>
               </a:ext>
             </a:extLst>
           </p:cNvPr>
@@ -32387,7 +32353,7 @@
           <p:cNvPr id="43" name="Speech Bubble: Oval 90">
             <a:extLst>
               <a:ext uri="{FF2B5EF4-FFF2-40B4-BE49-F238E27FC236}">
-                <a16:creationId xmlns:lc="http://schemas.openxmlformats.org/drawingml/2006/lockedCanvas" xmlns:a16="http://schemas.microsoft.com/office/drawing/2014/main" xmlns="" id="{1AA4AE42-E2ED-4F97-8EF5-B5C602DED5D6}"/>
+                <a16:creationId xmlns="" xmlns:a16="http://schemas.microsoft.com/office/drawing/2014/main" xmlns:lc="http://schemas.openxmlformats.org/drawingml/2006/lockedCanvas" id="{1AA4AE42-E2ED-4F97-8EF5-B5C602DED5D6}"/>
               </a:ext>
             </a:extLst>
           </p:cNvPr>
@@ -32565,7 +32531,7 @@
           <p:cNvPr id="9" name="Freeform 5">
             <a:extLst>
               <a:ext uri="{FF2B5EF4-FFF2-40B4-BE49-F238E27FC236}">
-                <a16:creationId xmlns:a16="http://schemas.microsoft.com/office/drawing/2014/main" xmlns="" id="{2CB569D2-26F1-43F2-BCB2-66AA9FCE07A1}"/>
+                <a16:creationId xmlns="" xmlns:a16="http://schemas.microsoft.com/office/drawing/2014/main" id="{2CB569D2-26F1-43F2-BCB2-66AA9FCE07A1}"/>
               </a:ext>
             </a:extLst>
           </p:cNvPr>
@@ -34163,7 +34129,7 @@
           <p:cNvPr id="11" name="Group 10">
             <a:extLst>
               <a:ext uri="{FF2B5EF4-FFF2-40B4-BE49-F238E27FC236}">
-                <a16:creationId xmlns:a16="http://schemas.microsoft.com/office/drawing/2014/main" xmlns="" id="{DA5E3CF6-ED49-4147-836C-66E1207F8BD8}"/>
+                <a16:creationId xmlns="" xmlns:a16="http://schemas.microsoft.com/office/drawing/2014/main" id="{DA5E3CF6-ED49-4147-836C-66E1207F8BD8}"/>
               </a:ext>
             </a:extLst>
           </p:cNvPr>
@@ -34183,7 +34149,7 @@
             <p:cNvPr id="15" name="Freeform 5">
               <a:extLst>
                 <a:ext uri="{FF2B5EF4-FFF2-40B4-BE49-F238E27FC236}">
-                  <a16:creationId xmlns:a16="http://schemas.microsoft.com/office/drawing/2014/main" xmlns="" id="{19DF06EE-FC93-4880-8B82-8A588624B6BD}"/>
+                  <a16:creationId xmlns="" xmlns:a16="http://schemas.microsoft.com/office/drawing/2014/main" id="{19DF06EE-FC93-4880-8B82-8A588624B6BD}"/>
                 </a:ext>
               </a:extLst>
             </p:cNvPr>
@@ -34713,7 +34679,7 @@
             <p:cNvPr id="10" name="Group 9">
               <a:extLst>
                 <a:ext uri="{FF2B5EF4-FFF2-40B4-BE49-F238E27FC236}">
-                  <a16:creationId xmlns:a16="http://schemas.microsoft.com/office/drawing/2014/main" xmlns="" id="{9AB32366-8FA9-46BA-BADC-090C690C1BE3}"/>
+                  <a16:creationId xmlns="" xmlns:a16="http://schemas.microsoft.com/office/drawing/2014/main" id="{9AB32366-8FA9-46BA-BADC-090C690C1BE3}"/>
                 </a:ext>
               </a:extLst>
             </p:cNvPr>
@@ -34736,7 +34702,7 @@
               <p:cNvPr id="17" name="Freeform 10">
                 <a:extLst>
                   <a:ext uri="{FF2B5EF4-FFF2-40B4-BE49-F238E27FC236}">
-                    <a16:creationId xmlns:a16="http://schemas.microsoft.com/office/drawing/2014/main" xmlns="" id="{43334409-ACD4-4300-8080-F30A1DE01FF0}"/>
+                    <a16:creationId xmlns="" xmlns:a16="http://schemas.microsoft.com/office/drawing/2014/main" id="{43334409-ACD4-4300-8080-F30A1DE01FF0}"/>
                   </a:ext>
                 </a:extLst>
               </p:cNvPr>
@@ -35388,7 +35354,7 @@
               <p:cNvPr id="18" name="Freeform 11">
                 <a:extLst>
                   <a:ext uri="{FF2B5EF4-FFF2-40B4-BE49-F238E27FC236}">
-                    <a16:creationId xmlns:a16="http://schemas.microsoft.com/office/drawing/2014/main" xmlns="" id="{52A9E226-7E36-4FD0-A249-5C3C49DD40AA}"/>
+                    <a16:creationId xmlns="" xmlns:a16="http://schemas.microsoft.com/office/drawing/2014/main" id="{52A9E226-7E36-4FD0-A249-5C3C49DD40AA}"/>
                   </a:ext>
                 </a:extLst>
               </p:cNvPr>
@@ -35961,7 +35927,7 @@
               <p:cNvPr id="19" name="Freeform 12">
                 <a:extLst>
                   <a:ext uri="{FF2B5EF4-FFF2-40B4-BE49-F238E27FC236}">
-                    <a16:creationId xmlns:a16="http://schemas.microsoft.com/office/drawing/2014/main" xmlns="" id="{04CAD35A-9FC4-473B-A2C2-A5FD72D0E39C}"/>
+                    <a16:creationId xmlns="" xmlns:a16="http://schemas.microsoft.com/office/drawing/2014/main" id="{04CAD35A-9FC4-473B-A2C2-A5FD72D0E39C}"/>
                   </a:ext>
                 </a:extLst>
               </p:cNvPr>
@@ -36584,7 +36550,7 @@
               <p:cNvPr id="20" name="Freeform 13">
                 <a:extLst>
                   <a:ext uri="{FF2B5EF4-FFF2-40B4-BE49-F238E27FC236}">
-                    <a16:creationId xmlns:a16="http://schemas.microsoft.com/office/drawing/2014/main" xmlns="" id="{3F5820E5-5A15-420A-B624-BD712EA8E444}"/>
+                    <a16:creationId xmlns="" xmlns:a16="http://schemas.microsoft.com/office/drawing/2014/main" id="{3F5820E5-5A15-420A-B624-BD712EA8E444}"/>
                   </a:ext>
                 </a:extLst>
               </p:cNvPr>
@@ -37162,7 +37128,7 @@
               <p:cNvPr id="22" name="Freeform 15">
                 <a:extLst>
                   <a:ext uri="{FF2B5EF4-FFF2-40B4-BE49-F238E27FC236}">
-                    <a16:creationId xmlns:a16="http://schemas.microsoft.com/office/drawing/2014/main" xmlns="" id="{BE3B19DE-2E6A-4C8C-8EB3-2010C815E890}"/>
+                    <a16:creationId xmlns="" xmlns:a16="http://schemas.microsoft.com/office/drawing/2014/main" id="{BE3B19DE-2E6A-4C8C-8EB3-2010C815E890}"/>
                   </a:ext>
                 </a:extLst>
               </p:cNvPr>
@@ -37590,7 +37556,7 @@
               <p:cNvPr id="23" name="Freeform 16">
                 <a:extLst>
                   <a:ext uri="{FF2B5EF4-FFF2-40B4-BE49-F238E27FC236}">
-                    <a16:creationId xmlns:a16="http://schemas.microsoft.com/office/drawing/2014/main" xmlns="" id="{28196F54-7BEA-4E90-BDFF-3B9B87E94361}"/>
+                    <a16:creationId xmlns="" xmlns:a16="http://schemas.microsoft.com/office/drawing/2014/main" id="{28196F54-7BEA-4E90-BDFF-3B9B87E94361}"/>
                   </a:ext>
                 </a:extLst>
               </p:cNvPr>
@@ -37768,7 +37734,7 @@
               <p:cNvPr id="24" name="Freeform 17">
                 <a:extLst>
                   <a:ext uri="{FF2B5EF4-FFF2-40B4-BE49-F238E27FC236}">
-                    <a16:creationId xmlns:a16="http://schemas.microsoft.com/office/drawing/2014/main" xmlns="" id="{E5D2F214-1B41-4E64-BFC2-03BEFD7EDD0B}"/>
+                    <a16:creationId xmlns="" xmlns:a16="http://schemas.microsoft.com/office/drawing/2014/main" id="{E5D2F214-1B41-4E64-BFC2-03BEFD7EDD0B}"/>
                   </a:ext>
                 </a:extLst>
               </p:cNvPr>
@@ -37948,7 +37914,7 @@
           <p:cNvPr id="26" name="Group 25">
             <a:extLst>
               <a:ext uri="{FF2B5EF4-FFF2-40B4-BE49-F238E27FC236}">
-                <a16:creationId xmlns:a16="http://schemas.microsoft.com/office/drawing/2014/main" xmlns="" id="{DB955DA5-C747-48C5-AF10-CC0CA3956A10}"/>
+                <a16:creationId xmlns="" xmlns:a16="http://schemas.microsoft.com/office/drawing/2014/main" id="{DB955DA5-C747-48C5-AF10-CC0CA3956A10}"/>
               </a:ext>
             </a:extLst>
           </p:cNvPr>
@@ -37971,7 +37937,7 @@
             <p:cNvPr id="27" name="Freeform 5">
               <a:extLst>
                 <a:ext uri="{FF2B5EF4-FFF2-40B4-BE49-F238E27FC236}">
-                  <a16:creationId xmlns:a16="http://schemas.microsoft.com/office/drawing/2014/main" xmlns="" id="{C5BE63E2-9EDC-463E-B395-EFBD904012E2}"/>
+                  <a16:creationId xmlns="" xmlns:a16="http://schemas.microsoft.com/office/drawing/2014/main" id="{C5BE63E2-9EDC-463E-B395-EFBD904012E2}"/>
                 </a:ext>
               </a:extLst>
             </p:cNvPr>
@@ -38450,7 +38416,7 @@
             <p:cNvPr id="28" name="Freeform 6">
               <a:extLst>
                 <a:ext uri="{FF2B5EF4-FFF2-40B4-BE49-F238E27FC236}">
-                  <a16:creationId xmlns:a16="http://schemas.microsoft.com/office/drawing/2014/main" xmlns="" id="{EEF8E824-41B5-4DDD-AFD0-E5C4681AD2D6}"/>
+                  <a16:creationId xmlns="" xmlns:a16="http://schemas.microsoft.com/office/drawing/2014/main" id="{EEF8E824-41B5-4DDD-AFD0-E5C4681AD2D6}"/>
                 </a:ext>
               </a:extLst>
             </p:cNvPr>
@@ -38626,7 +38592,7 @@
             <p:cNvPr id="29" name="Freeform 7">
               <a:extLst>
                 <a:ext uri="{FF2B5EF4-FFF2-40B4-BE49-F238E27FC236}">
-                  <a16:creationId xmlns:a16="http://schemas.microsoft.com/office/drawing/2014/main" xmlns="" id="{26BE0581-758C-4A22-AFCF-B42132BE5BFA}"/>
+                  <a16:creationId xmlns="" xmlns:a16="http://schemas.microsoft.com/office/drawing/2014/main" id="{26BE0581-758C-4A22-AFCF-B42132BE5BFA}"/>
                 </a:ext>
               </a:extLst>
             </p:cNvPr>
@@ -38822,7 +38788,7 @@
             <p:cNvPr id="30" name="Freeform 8">
               <a:extLst>
                 <a:ext uri="{FF2B5EF4-FFF2-40B4-BE49-F238E27FC236}">
-                  <a16:creationId xmlns:a16="http://schemas.microsoft.com/office/drawing/2014/main" xmlns="" id="{482A4B52-0F5E-4C40-9453-B65EF8FFFBB6}"/>
+                  <a16:creationId xmlns="" xmlns:a16="http://schemas.microsoft.com/office/drawing/2014/main" id="{482A4B52-0F5E-4C40-9453-B65EF8FFFBB6}"/>
                 </a:ext>
               </a:extLst>
             </p:cNvPr>
@@ -38998,7 +38964,7 @@
             <p:cNvPr id="31" name="Freeform 9">
               <a:extLst>
                 <a:ext uri="{FF2B5EF4-FFF2-40B4-BE49-F238E27FC236}">
-                  <a16:creationId xmlns:a16="http://schemas.microsoft.com/office/drawing/2014/main" xmlns="" id="{A0F355B6-B415-429A-B93F-9E90D52BA929}"/>
+                  <a16:creationId xmlns="" xmlns:a16="http://schemas.microsoft.com/office/drawing/2014/main" id="{A0F355B6-B415-429A-B93F-9E90D52BA929}"/>
                 </a:ext>
               </a:extLst>
             </p:cNvPr>
@@ -39194,7 +39160,7 @@
             <p:cNvPr id="32" name="Freeform 10">
               <a:extLst>
                 <a:ext uri="{FF2B5EF4-FFF2-40B4-BE49-F238E27FC236}">
-                  <a16:creationId xmlns:a16="http://schemas.microsoft.com/office/drawing/2014/main" xmlns="" id="{6B0D9C57-B98F-4F1E-92FA-AB97FDA81EC9}"/>
+                  <a16:creationId xmlns="" xmlns:a16="http://schemas.microsoft.com/office/drawing/2014/main" id="{6B0D9C57-B98F-4F1E-92FA-AB97FDA81EC9}"/>
                 </a:ext>
               </a:extLst>
             </p:cNvPr>
@@ -39360,7 +39326,7 @@
             <p:cNvPr id="33" name="Freeform 11">
               <a:extLst>
                 <a:ext uri="{FF2B5EF4-FFF2-40B4-BE49-F238E27FC236}">
-                  <a16:creationId xmlns:a16="http://schemas.microsoft.com/office/drawing/2014/main" xmlns="" id="{5243F7B1-F8DF-4ECF-B6DF-8702FDCB3F41}"/>
+                  <a16:creationId xmlns="" xmlns:a16="http://schemas.microsoft.com/office/drawing/2014/main" id="{5243F7B1-F8DF-4ECF-B6DF-8702FDCB3F41}"/>
                 </a:ext>
               </a:extLst>
             </p:cNvPr>
@@ -39534,7 +39500,7 @@
             <p:cNvPr id="34" name="Freeform 12">
               <a:extLst>
                 <a:ext uri="{FF2B5EF4-FFF2-40B4-BE49-F238E27FC236}">
-                  <a16:creationId xmlns:a16="http://schemas.microsoft.com/office/drawing/2014/main" xmlns="" id="{55A9E63C-7C93-44B7-8101-52640F85436B}"/>
+                  <a16:creationId xmlns="" xmlns:a16="http://schemas.microsoft.com/office/drawing/2014/main" id="{55A9E63C-7C93-44B7-8101-52640F85436B}"/>
                 </a:ext>
               </a:extLst>
             </p:cNvPr>
@@ -39710,7 +39676,7 @@
             <p:cNvPr id="35" name="Freeform 13">
               <a:extLst>
                 <a:ext uri="{FF2B5EF4-FFF2-40B4-BE49-F238E27FC236}">
-                  <a16:creationId xmlns:a16="http://schemas.microsoft.com/office/drawing/2014/main" xmlns="" id="{A9B68C3C-0E0B-4B8C-BE65-2E547356756F}"/>
+                  <a16:creationId xmlns="" xmlns:a16="http://schemas.microsoft.com/office/drawing/2014/main" id="{A9B68C3C-0E0B-4B8C-BE65-2E547356756F}"/>
                 </a:ext>
               </a:extLst>
             </p:cNvPr>
@@ -39886,7 +39852,7 @@
             <p:cNvPr id="38" name="Freeform 14">
               <a:extLst>
                 <a:ext uri="{FF2B5EF4-FFF2-40B4-BE49-F238E27FC236}">
-                  <a16:creationId xmlns:a16="http://schemas.microsoft.com/office/drawing/2014/main" xmlns="" id="{3B7ECCCA-44AE-4EA9-9E38-B0F78C1CBBF7}"/>
+                  <a16:creationId xmlns="" xmlns:a16="http://schemas.microsoft.com/office/drawing/2014/main" id="{3B7ECCCA-44AE-4EA9-9E38-B0F78C1CBBF7}"/>
                 </a:ext>
               </a:extLst>
             </p:cNvPr>
@@ -40052,7 +40018,7 @@
             <p:cNvPr id="39" name="Freeform 15">
               <a:extLst>
                 <a:ext uri="{FF2B5EF4-FFF2-40B4-BE49-F238E27FC236}">
-                  <a16:creationId xmlns:a16="http://schemas.microsoft.com/office/drawing/2014/main" xmlns="" id="{A3BF8AEC-CB17-4256-B372-4AEDD6D215D7}"/>
+                  <a16:creationId xmlns="" xmlns:a16="http://schemas.microsoft.com/office/drawing/2014/main" id="{A3BF8AEC-CB17-4256-B372-4AEDD6D215D7}"/>
                 </a:ext>
               </a:extLst>
             </p:cNvPr>
@@ -40218,7 +40184,7 @@
             <p:cNvPr id="40" name="Freeform 16">
               <a:extLst>
                 <a:ext uri="{FF2B5EF4-FFF2-40B4-BE49-F238E27FC236}">
-                  <a16:creationId xmlns:a16="http://schemas.microsoft.com/office/drawing/2014/main" xmlns="" id="{25125B18-7123-4130-B44C-F83892F70995}"/>
+                  <a16:creationId xmlns="" xmlns:a16="http://schemas.microsoft.com/office/drawing/2014/main" id="{25125B18-7123-4130-B44C-F83892F70995}"/>
                 </a:ext>
               </a:extLst>
             </p:cNvPr>
@@ -40394,7 +40360,7 @@
             <p:cNvPr id="41" name="Freeform 17">
               <a:extLst>
                 <a:ext uri="{FF2B5EF4-FFF2-40B4-BE49-F238E27FC236}">
-                  <a16:creationId xmlns:a16="http://schemas.microsoft.com/office/drawing/2014/main" xmlns="" id="{E3A13503-5743-4FF5-9465-00ABA7CFF618}"/>
+                  <a16:creationId xmlns="" xmlns:a16="http://schemas.microsoft.com/office/drawing/2014/main" id="{E3A13503-5743-4FF5-9465-00ABA7CFF618}"/>
                 </a:ext>
               </a:extLst>
             </p:cNvPr>
@@ -40570,7 +40536,7 @@
             <p:cNvPr id="42" name="Freeform 18">
               <a:extLst>
                 <a:ext uri="{FF2B5EF4-FFF2-40B4-BE49-F238E27FC236}">
-                  <a16:creationId xmlns:a16="http://schemas.microsoft.com/office/drawing/2014/main" xmlns="" id="{BCAEA7DB-7A97-413C-981C-49670ADC4090}"/>
+                  <a16:creationId xmlns="" xmlns:a16="http://schemas.microsoft.com/office/drawing/2014/main" id="{BCAEA7DB-7A97-413C-981C-49670ADC4090}"/>
                 </a:ext>
               </a:extLst>
             </p:cNvPr>
@@ -40747,7 +40713,7 @@
           <p:cNvPr id="44" name="TextBox 100">
             <a:extLst>
               <a:ext uri="{FF2B5EF4-FFF2-40B4-BE49-F238E27FC236}">
-                <a16:creationId xmlns:lc="http://schemas.openxmlformats.org/drawingml/2006/lockedCanvas" xmlns:a16="http://schemas.microsoft.com/office/drawing/2014/main" xmlns="" id="{E2B37416-E1FA-4C42-B3A0-8B5C739B7D44}"/>
+                <a16:creationId xmlns="" xmlns:a16="http://schemas.microsoft.com/office/drawing/2014/main" xmlns:lc="http://schemas.openxmlformats.org/drawingml/2006/lockedCanvas" id="{E2B37416-E1FA-4C42-B3A0-8B5C739B7D44}"/>
               </a:ext>
             </a:extLst>
           </p:cNvPr>
@@ -40899,7 +40865,7 @@
           <p:cNvPr id="45" name="TextBox 1">
             <a:extLst>
               <a:ext uri="{FF2B5EF4-FFF2-40B4-BE49-F238E27FC236}">
-                <a16:creationId xmlns="" xmlns:a16="http://schemas.microsoft.com/office/drawing/2014/main" id="{DB0A9C50-B290-4C30-A65A-9D7AB111D154}"/>
+                <a16:creationId xmlns:a16="http://schemas.microsoft.com/office/drawing/2014/main" xmlns="" id="{DB0A9C50-B290-4C30-A65A-9D7AB111D154}"/>
               </a:ext>
             </a:extLst>
           </p:cNvPr>
@@ -41002,7 +40968,7 @@
           <p:cNvPr id="31" name="Group 30">
             <a:extLst>
               <a:ext uri="{FF2B5EF4-FFF2-40B4-BE49-F238E27FC236}">
-                <a16:creationId xmlns:a16="http://schemas.microsoft.com/office/drawing/2014/main" xmlns="" id="{F16663C0-74C7-4D0F-8A27-B9FD38B81D23}"/>
+                <a16:creationId xmlns="" xmlns:a16="http://schemas.microsoft.com/office/drawing/2014/main" id="{F16663C0-74C7-4D0F-8A27-B9FD38B81D23}"/>
               </a:ext>
             </a:extLst>
           </p:cNvPr>
@@ -41022,7 +40988,7 @@
             <p:cNvPr id="6" name="Group 5">
               <a:extLst>
                 <a:ext uri="{FF2B5EF4-FFF2-40B4-BE49-F238E27FC236}">
-                  <a16:creationId xmlns:a16="http://schemas.microsoft.com/office/drawing/2014/main" xmlns="" id="{7EA6C197-BDB7-4398-8369-FE1E78306DF5}"/>
+                  <a16:creationId xmlns="" xmlns:a16="http://schemas.microsoft.com/office/drawing/2014/main" id="{7EA6C197-BDB7-4398-8369-FE1E78306DF5}"/>
                 </a:ext>
               </a:extLst>
             </p:cNvPr>
@@ -41045,7 +41011,7 @@
               <p:cNvPr id="7" name="Freeform 5">
                 <a:extLst>
                   <a:ext uri="{FF2B5EF4-FFF2-40B4-BE49-F238E27FC236}">
-                    <a16:creationId xmlns:a16="http://schemas.microsoft.com/office/drawing/2014/main" xmlns="" id="{EE960C1B-4594-4ED8-AABB-CE79ABEB87CB}"/>
+                    <a16:creationId xmlns="" xmlns:a16="http://schemas.microsoft.com/office/drawing/2014/main" id="{EE960C1B-4594-4ED8-AABB-CE79ABEB87CB}"/>
                   </a:ext>
                 </a:extLst>
               </p:cNvPr>
@@ -41524,7 +41490,7 @@
               <p:cNvPr id="8" name="Freeform 6">
                 <a:extLst>
                   <a:ext uri="{FF2B5EF4-FFF2-40B4-BE49-F238E27FC236}">
-                    <a16:creationId xmlns:a16="http://schemas.microsoft.com/office/drawing/2014/main" xmlns="" id="{D7FF47DC-F5AD-4858-99C1-A382812DA7A1}"/>
+                    <a16:creationId xmlns="" xmlns:a16="http://schemas.microsoft.com/office/drawing/2014/main" id="{D7FF47DC-F5AD-4858-99C1-A382812DA7A1}"/>
                   </a:ext>
                 </a:extLst>
               </p:cNvPr>
@@ -41700,7 +41666,7 @@
               <p:cNvPr id="9" name="Freeform 7">
                 <a:extLst>
                   <a:ext uri="{FF2B5EF4-FFF2-40B4-BE49-F238E27FC236}">
-                    <a16:creationId xmlns:a16="http://schemas.microsoft.com/office/drawing/2014/main" xmlns="" id="{BF63F0CF-59A4-4A8B-B3F5-1FA8733693B7}"/>
+                    <a16:creationId xmlns="" xmlns:a16="http://schemas.microsoft.com/office/drawing/2014/main" id="{BF63F0CF-59A4-4A8B-B3F5-1FA8733693B7}"/>
                   </a:ext>
                 </a:extLst>
               </p:cNvPr>
@@ -41896,7 +41862,7 @@
               <p:cNvPr id="10" name="Freeform 8">
                 <a:extLst>
                   <a:ext uri="{FF2B5EF4-FFF2-40B4-BE49-F238E27FC236}">
-                    <a16:creationId xmlns:a16="http://schemas.microsoft.com/office/drawing/2014/main" xmlns="" id="{577F9F8F-8DFA-479A-BDAD-356F7E78180E}"/>
+                    <a16:creationId xmlns="" xmlns:a16="http://schemas.microsoft.com/office/drawing/2014/main" id="{577F9F8F-8DFA-479A-BDAD-356F7E78180E}"/>
                   </a:ext>
                 </a:extLst>
               </p:cNvPr>
@@ -42072,7 +42038,7 @@
               <p:cNvPr id="11" name="Freeform 9">
                 <a:extLst>
                   <a:ext uri="{FF2B5EF4-FFF2-40B4-BE49-F238E27FC236}">
-                    <a16:creationId xmlns:a16="http://schemas.microsoft.com/office/drawing/2014/main" xmlns="" id="{4A22BA89-F3C0-44E4-8ABD-F570AE16A2F5}"/>
+                    <a16:creationId xmlns="" xmlns:a16="http://schemas.microsoft.com/office/drawing/2014/main" id="{4A22BA89-F3C0-44E4-8ABD-F570AE16A2F5}"/>
                   </a:ext>
                 </a:extLst>
               </p:cNvPr>
@@ -42268,7 +42234,7 @@
               <p:cNvPr id="12" name="Freeform 10">
                 <a:extLst>
                   <a:ext uri="{FF2B5EF4-FFF2-40B4-BE49-F238E27FC236}">
-                    <a16:creationId xmlns:a16="http://schemas.microsoft.com/office/drawing/2014/main" xmlns="" id="{5F653486-015F-4C44-B904-11DCFF202E99}"/>
+                    <a16:creationId xmlns="" xmlns:a16="http://schemas.microsoft.com/office/drawing/2014/main" id="{5F653486-015F-4C44-B904-11DCFF202E99}"/>
                   </a:ext>
                 </a:extLst>
               </p:cNvPr>
@@ -42434,7 +42400,7 @@
               <p:cNvPr id="13" name="Freeform 11">
                 <a:extLst>
                   <a:ext uri="{FF2B5EF4-FFF2-40B4-BE49-F238E27FC236}">
-                    <a16:creationId xmlns:a16="http://schemas.microsoft.com/office/drawing/2014/main" xmlns="" id="{9737F040-0DA1-4B18-863A-F6855333A83C}"/>
+                    <a16:creationId xmlns="" xmlns:a16="http://schemas.microsoft.com/office/drawing/2014/main" id="{9737F040-0DA1-4B18-863A-F6855333A83C}"/>
                   </a:ext>
                 </a:extLst>
               </p:cNvPr>
@@ -42608,7 +42574,7 @@
               <p:cNvPr id="14" name="Freeform 12">
                 <a:extLst>
                   <a:ext uri="{FF2B5EF4-FFF2-40B4-BE49-F238E27FC236}">
-                    <a16:creationId xmlns:a16="http://schemas.microsoft.com/office/drawing/2014/main" xmlns="" id="{C994E011-E367-4338-880B-3D421A522468}"/>
+                    <a16:creationId xmlns="" xmlns:a16="http://schemas.microsoft.com/office/drawing/2014/main" id="{C994E011-E367-4338-880B-3D421A522468}"/>
                   </a:ext>
                 </a:extLst>
               </p:cNvPr>
@@ -42784,7 +42750,7 @@
               <p:cNvPr id="15" name="Freeform 13">
                 <a:extLst>
                   <a:ext uri="{FF2B5EF4-FFF2-40B4-BE49-F238E27FC236}">
-                    <a16:creationId xmlns:a16="http://schemas.microsoft.com/office/drawing/2014/main" xmlns="" id="{F7A9D8C0-6CC3-4182-A557-6FE49DCF1C42}"/>
+                    <a16:creationId xmlns="" xmlns:a16="http://schemas.microsoft.com/office/drawing/2014/main" id="{F7A9D8C0-6CC3-4182-A557-6FE49DCF1C42}"/>
                   </a:ext>
                 </a:extLst>
               </p:cNvPr>
@@ -42960,7 +42926,7 @@
               <p:cNvPr id="16" name="Freeform 14">
                 <a:extLst>
                   <a:ext uri="{FF2B5EF4-FFF2-40B4-BE49-F238E27FC236}">
-                    <a16:creationId xmlns:a16="http://schemas.microsoft.com/office/drawing/2014/main" xmlns="" id="{00714B71-DDF0-4A98-A443-D016BED81C24}"/>
+                    <a16:creationId xmlns="" xmlns:a16="http://schemas.microsoft.com/office/drawing/2014/main" id="{00714B71-DDF0-4A98-A443-D016BED81C24}"/>
                   </a:ext>
                 </a:extLst>
               </p:cNvPr>
@@ -43126,7 +43092,7 @@
               <p:cNvPr id="17" name="Freeform 15">
                 <a:extLst>
                   <a:ext uri="{FF2B5EF4-FFF2-40B4-BE49-F238E27FC236}">
-                    <a16:creationId xmlns:a16="http://schemas.microsoft.com/office/drawing/2014/main" xmlns="" id="{13AA15DA-14AA-4A57-A895-3FDFF203887A}"/>
+                    <a16:creationId xmlns="" xmlns:a16="http://schemas.microsoft.com/office/drawing/2014/main" id="{13AA15DA-14AA-4A57-A895-3FDFF203887A}"/>
                   </a:ext>
                 </a:extLst>
               </p:cNvPr>
@@ -43292,7 +43258,7 @@
               <p:cNvPr id="18" name="Freeform 16">
                 <a:extLst>
                   <a:ext uri="{FF2B5EF4-FFF2-40B4-BE49-F238E27FC236}">
-                    <a16:creationId xmlns:a16="http://schemas.microsoft.com/office/drawing/2014/main" xmlns="" id="{F94E3DBD-E46A-4430-9266-E6E831D6BCD4}"/>
+                    <a16:creationId xmlns="" xmlns:a16="http://schemas.microsoft.com/office/drawing/2014/main" id="{F94E3DBD-E46A-4430-9266-E6E831D6BCD4}"/>
                   </a:ext>
                 </a:extLst>
               </p:cNvPr>
@@ -43468,7 +43434,7 @@
               <p:cNvPr id="19" name="Freeform 17">
                 <a:extLst>
                   <a:ext uri="{FF2B5EF4-FFF2-40B4-BE49-F238E27FC236}">
-                    <a16:creationId xmlns:a16="http://schemas.microsoft.com/office/drawing/2014/main" xmlns="" id="{C5D4E82A-9E73-4169-9333-D8D1511B12E9}"/>
+                    <a16:creationId xmlns="" xmlns:a16="http://schemas.microsoft.com/office/drawing/2014/main" id="{C5D4E82A-9E73-4169-9333-D8D1511B12E9}"/>
                   </a:ext>
                 </a:extLst>
               </p:cNvPr>
@@ -43644,7 +43610,7 @@
               <p:cNvPr id="20" name="Freeform 18">
                 <a:extLst>
                   <a:ext uri="{FF2B5EF4-FFF2-40B4-BE49-F238E27FC236}">
-                    <a16:creationId xmlns:a16="http://schemas.microsoft.com/office/drawing/2014/main" xmlns="" id="{42B10E46-A558-4578-A571-60BF2B1774BB}"/>
+                    <a16:creationId xmlns="" xmlns:a16="http://schemas.microsoft.com/office/drawing/2014/main" id="{42B10E46-A558-4578-A571-60BF2B1774BB}"/>
                   </a:ext>
                 </a:extLst>
               </p:cNvPr>
@@ -43821,7 +43787,7 @@
             <p:cNvPr id="30" name="Freeform 5">
               <a:extLst>
                 <a:ext uri="{FF2B5EF4-FFF2-40B4-BE49-F238E27FC236}">
-                  <a16:creationId xmlns:a16="http://schemas.microsoft.com/office/drawing/2014/main" xmlns="" id="{A0C22C2B-5F3A-4C43-AF18-EB2B59FCC180}"/>
+                  <a16:creationId xmlns="" xmlns:a16="http://schemas.microsoft.com/office/drawing/2014/main" id="{A0C22C2B-5F3A-4C43-AF18-EB2B59FCC180}"/>
                 </a:ext>
               </a:extLst>
             </p:cNvPr>
@@ -44001,7 +43967,7 @@
             <p:cNvPr id="33" name="Freeform 5">
               <a:extLst>
                 <a:ext uri="{FF2B5EF4-FFF2-40B4-BE49-F238E27FC236}">
-                  <a16:creationId xmlns:a16="http://schemas.microsoft.com/office/drawing/2014/main" xmlns="" id="{E4360170-6298-4DB6-B6E6-5414B2385BBC}"/>
+                  <a16:creationId xmlns="" xmlns:a16="http://schemas.microsoft.com/office/drawing/2014/main" id="{E4360170-6298-4DB6-B6E6-5414B2385BBC}"/>
                 </a:ext>
               </a:extLst>
             </p:cNvPr>
@@ -44182,7 +44148,7 @@
           <p:cNvPr id="32" name="TextBox 1">
             <a:extLst>
               <a:ext uri="{FF2B5EF4-FFF2-40B4-BE49-F238E27FC236}">
-                <a16:creationId xmlns="" xmlns:a16="http://schemas.microsoft.com/office/drawing/2014/main" id="{DB0A9C50-B290-4C30-A65A-9D7AB111D154}"/>
+                <a16:creationId xmlns:a16="http://schemas.microsoft.com/office/drawing/2014/main" xmlns="" id="{DB0A9C50-B290-4C30-A65A-9D7AB111D154}"/>
               </a:ext>
             </a:extLst>
           </p:cNvPr>
@@ -44241,7 +44207,7 @@
           <p:cNvPr id="39" name="TextBox 3">
             <a:extLst>
               <a:ext uri="{FF2B5EF4-FFF2-40B4-BE49-F238E27FC236}">
-                <a16:creationId xmlns:lc="http://schemas.openxmlformats.org/drawingml/2006/lockedCanvas" xmlns:a16="http://schemas.microsoft.com/office/drawing/2014/main" xmlns="" id="{4BDF9411-EA7D-4D4E-A03E-C99257532632}"/>
+                <a16:creationId xmlns="" xmlns:a16="http://schemas.microsoft.com/office/drawing/2014/main" xmlns:lc="http://schemas.openxmlformats.org/drawingml/2006/lockedCanvas" id="{4BDF9411-EA7D-4D4E-A03E-C99257532632}"/>
               </a:ext>
             </a:extLst>
           </p:cNvPr>
@@ -44485,7 +44451,7 @@
           <p:cNvPr id="40" name="TextBox 5">
             <a:extLst>
               <a:ext uri="{FF2B5EF4-FFF2-40B4-BE49-F238E27FC236}">
-                <a16:creationId xmlns:lc="http://schemas.openxmlformats.org/drawingml/2006/lockedCanvas" xmlns:a16="http://schemas.microsoft.com/office/drawing/2014/main" xmlns="" id="{1F33CCC8-CAB6-47CD-9F3C-F22AC90E7862}"/>
+                <a16:creationId xmlns="" xmlns:a16="http://schemas.microsoft.com/office/drawing/2014/main" xmlns:lc="http://schemas.openxmlformats.org/drawingml/2006/lockedCanvas" id="{1F33CCC8-CAB6-47CD-9F3C-F22AC90E7862}"/>
               </a:ext>
             </a:extLst>
           </p:cNvPr>
@@ -44658,7 +44624,7 @@
           <p:cNvPr id="41" name="TextBox 6">
             <a:extLst>
               <a:ext uri="{FF2B5EF4-FFF2-40B4-BE49-F238E27FC236}">
-                <a16:creationId xmlns:lc="http://schemas.openxmlformats.org/drawingml/2006/lockedCanvas" xmlns:a16="http://schemas.microsoft.com/office/drawing/2014/main" xmlns="" id="{CBD44F28-F163-475A-A71D-B375939D24D3}"/>
+                <a16:creationId xmlns="" xmlns:a16="http://schemas.microsoft.com/office/drawing/2014/main" xmlns:lc="http://schemas.openxmlformats.org/drawingml/2006/lockedCanvas" id="{CBD44F28-F163-475A-A71D-B375939D24D3}"/>
               </a:ext>
             </a:extLst>
           </p:cNvPr>
@@ -44831,7 +44797,7 @@
           <p:cNvPr id="54" name="TextBox 4">
             <a:extLst>
               <a:ext uri="{FF2B5EF4-FFF2-40B4-BE49-F238E27FC236}">
-                <a16:creationId xmlns:lc="http://schemas.openxmlformats.org/drawingml/2006/lockedCanvas" xmlns:a16="http://schemas.microsoft.com/office/drawing/2014/main" xmlns="" id="{9F9EE5F9-048F-4911-9761-CFC212D7E093}"/>
+                <a16:creationId xmlns="" xmlns:a16="http://schemas.microsoft.com/office/drawing/2014/main" xmlns:lc="http://schemas.openxmlformats.org/drawingml/2006/lockedCanvas" id="{9F9EE5F9-048F-4911-9761-CFC212D7E093}"/>
               </a:ext>
             </a:extLst>
           </p:cNvPr>
@@ -45070,7 +45036,7 @@
           <p:cNvPr id="2" name="TextBox 1">
             <a:extLst>
               <a:ext uri="{FF2B5EF4-FFF2-40B4-BE49-F238E27FC236}">
-                <a16:creationId xmlns="" xmlns:a16="http://schemas.microsoft.com/office/drawing/2014/main" id="{DB0A9C50-B290-4C30-A65A-9D7AB111D154}"/>
+                <a16:creationId xmlns:a16="http://schemas.microsoft.com/office/drawing/2014/main" xmlns="" id="{DB0A9C50-B290-4C30-A65A-9D7AB111D154}"/>
               </a:ext>
             </a:extLst>
           </p:cNvPr>
@@ -45129,7 +45095,7 @@
           <p:cNvPr id="52" name="Freeform 5">
             <a:extLst>
               <a:ext uri="{FF2B5EF4-FFF2-40B4-BE49-F238E27FC236}">
-                <a16:creationId xmlns="" xmlns:a16="http://schemas.microsoft.com/office/drawing/2014/main" id="{768FB9FD-508C-45FB-B9A4-5A199142D858}"/>
+                <a16:creationId xmlns:a16="http://schemas.microsoft.com/office/drawing/2014/main" xmlns="" id="{768FB9FD-508C-45FB-B9A4-5A199142D858}"/>
               </a:ext>
             </a:extLst>
           </p:cNvPr>
@@ -45347,7 +45313,7 @@
           <p:cNvPr id="59" name="Freeform 9">
             <a:extLst>
               <a:ext uri="{FF2B5EF4-FFF2-40B4-BE49-F238E27FC236}">
-                <a16:creationId xmlns="" xmlns:a16="http://schemas.microsoft.com/office/drawing/2014/main" id="{AD7D17C0-A22A-4CE5-84C6-BED275614EBE}"/>
+                <a16:creationId xmlns:a16="http://schemas.microsoft.com/office/drawing/2014/main" xmlns="" id="{AD7D17C0-A22A-4CE5-84C6-BED275614EBE}"/>
               </a:ext>
             </a:extLst>
           </p:cNvPr>
@@ -45497,7 +45463,7 @@
           <p:cNvPr id="60" name="Freeform 9">
             <a:extLst>
               <a:ext uri="{FF2B5EF4-FFF2-40B4-BE49-F238E27FC236}">
-                <a16:creationId xmlns="" xmlns:a16="http://schemas.microsoft.com/office/drawing/2014/main" id="{3B8477D8-C61C-4124-90F8-8E57DF85ABA7}"/>
+                <a16:creationId xmlns:a16="http://schemas.microsoft.com/office/drawing/2014/main" xmlns="" id="{3B8477D8-C61C-4124-90F8-8E57DF85ABA7}"/>
               </a:ext>
             </a:extLst>
           </p:cNvPr>
@@ -45647,7 +45613,7 @@
           <p:cNvPr id="61" name="Freeform 5">
             <a:extLst>
               <a:ext uri="{FF2B5EF4-FFF2-40B4-BE49-F238E27FC236}">
-                <a16:creationId xmlns="" xmlns:a16="http://schemas.microsoft.com/office/drawing/2014/main" id="{67F0108F-9039-4399-9773-91DE2C3041A0}"/>
+                <a16:creationId xmlns:a16="http://schemas.microsoft.com/office/drawing/2014/main" xmlns="" id="{67F0108F-9039-4399-9773-91DE2C3041A0}"/>
               </a:ext>
             </a:extLst>
           </p:cNvPr>
@@ -45865,7 +45831,7 @@
           <p:cNvPr id="63" name="Freeform 9">
             <a:extLst>
               <a:ext uri="{FF2B5EF4-FFF2-40B4-BE49-F238E27FC236}">
-                <a16:creationId xmlns="" xmlns:a16="http://schemas.microsoft.com/office/drawing/2014/main" id="{320A28BC-AE81-4C0B-AB73-E7F89498D279}"/>
+                <a16:creationId xmlns:a16="http://schemas.microsoft.com/office/drawing/2014/main" xmlns="" id="{320A28BC-AE81-4C0B-AB73-E7F89498D279}"/>
               </a:ext>
             </a:extLst>
           </p:cNvPr>
@@ -46015,7 +45981,7 @@
           <p:cNvPr id="64" name="Freeform 9">
             <a:extLst>
               <a:ext uri="{FF2B5EF4-FFF2-40B4-BE49-F238E27FC236}">
-                <a16:creationId xmlns="" xmlns:a16="http://schemas.microsoft.com/office/drawing/2014/main" id="{C3A22756-C715-4C00-916F-5C1529273802}"/>
+                <a16:creationId xmlns:a16="http://schemas.microsoft.com/office/drawing/2014/main" xmlns="" id="{C3A22756-C715-4C00-916F-5C1529273802}"/>
               </a:ext>
             </a:extLst>
           </p:cNvPr>
@@ -46165,7 +46131,7 @@
           <p:cNvPr id="69" name="Oval 68">
             <a:extLst>
               <a:ext uri="{FF2B5EF4-FFF2-40B4-BE49-F238E27FC236}">
-                <a16:creationId xmlns="" xmlns:a16="http://schemas.microsoft.com/office/drawing/2014/main" id="{B234739F-137F-4F62-9B52-DCFB13D83C1C}"/>
+                <a16:creationId xmlns:a16="http://schemas.microsoft.com/office/drawing/2014/main" xmlns="" id="{B234739F-137F-4F62-9B52-DCFB13D83C1C}"/>
               </a:ext>
             </a:extLst>
           </p:cNvPr>
@@ -46226,7 +46192,7 @@
           <p:cNvPr id="70" name="Oval 69">
             <a:extLst>
               <a:ext uri="{FF2B5EF4-FFF2-40B4-BE49-F238E27FC236}">
-                <a16:creationId xmlns="" xmlns:a16="http://schemas.microsoft.com/office/drawing/2014/main" id="{5636EE2E-9B2C-48F7-83F4-AB4F1F6244B3}"/>
+                <a16:creationId xmlns:a16="http://schemas.microsoft.com/office/drawing/2014/main" xmlns="" id="{5636EE2E-9B2C-48F7-83F4-AB4F1F6244B3}"/>
               </a:ext>
             </a:extLst>
           </p:cNvPr>
@@ -46287,7 +46253,7 @@
           <p:cNvPr id="72" name="Oval 71">
             <a:extLst>
               <a:ext uri="{FF2B5EF4-FFF2-40B4-BE49-F238E27FC236}">
-                <a16:creationId xmlns="" xmlns:a16="http://schemas.microsoft.com/office/drawing/2014/main" id="{A9A48D46-CBA8-4B56-91FF-07438AF0E3FF}"/>
+                <a16:creationId xmlns:a16="http://schemas.microsoft.com/office/drawing/2014/main" xmlns="" id="{A9A48D46-CBA8-4B56-91FF-07438AF0E3FF}"/>
               </a:ext>
             </a:extLst>
           </p:cNvPr>
@@ -46348,7 +46314,7 @@
           <p:cNvPr id="73" name="Oval 72">
             <a:extLst>
               <a:ext uri="{FF2B5EF4-FFF2-40B4-BE49-F238E27FC236}">
-                <a16:creationId xmlns="" xmlns:a16="http://schemas.microsoft.com/office/drawing/2014/main" id="{811A07DF-A3C0-42E0-90E8-C6F5026DD306}"/>
+                <a16:creationId xmlns:a16="http://schemas.microsoft.com/office/drawing/2014/main" xmlns="" id="{811A07DF-A3C0-42E0-90E8-C6F5026DD306}"/>
               </a:ext>
             </a:extLst>
           </p:cNvPr>
@@ -46409,7 +46375,7 @@
           <p:cNvPr id="74" name="Oval 73">
             <a:extLst>
               <a:ext uri="{FF2B5EF4-FFF2-40B4-BE49-F238E27FC236}">
-                <a16:creationId xmlns="" xmlns:a16="http://schemas.microsoft.com/office/drawing/2014/main" id="{0B0341B7-8D48-478C-B9E3-628E56FFD7F9}"/>
+                <a16:creationId xmlns:a16="http://schemas.microsoft.com/office/drawing/2014/main" xmlns="" id="{0B0341B7-8D48-478C-B9E3-628E56FFD7F9}"/>
               </a:ext>
             </a:extLst>
           </p:cNvPr>
@@ -46470,7 +46436,7 @@
           <p:cNvPr id="75" name="Oval 74">
             <a:extLst>
               <a:ext uri="{FF2B5EF4-FFF2-40B4-BE49-F238E27FC236}">
-                <a16:creationId xmlns="" xmlns:a16="http://schemas.microsoft.com/office/drawing/2014/main" id="{DE87EE82-E6FC-4E13-8748-4212CE5C8594}"/>
+                <a16:creationId xmlns:a16="http://schemas.microsoft.com/office/drawing/2014/main" xmlns="" id="{DE87EE82-E6FC-4E13-8748-4212CE5C8594}"/>
               </a:ext>
             </a:extLst>
           </p:cNvPr>
@@ -46531,7 +46497,7 @@
           <p:cNvPr id="80" name="TextBox 79">
             <a:extLst>
               <a:ext uri="{FF2B5EF4-FFF2-40B4-BE49-F238E27FC236}">
-                <a16:creationId xmlns="" xmlns:a16="http://schemas.microsoft.com/office/drawing/2014/main" id="{D15115CF-F0E3-449F-88AB-FE290723C434}"/>
+                <a16:creationId xmlns:a16="http://schemas.microsoft.com/office/drawing/2014/main" xmlns="" id="{D15115CF-F0E3-449F-88AB-FE290723C434}"/>
               </a:ext>
             </a:extLst>
           </p:cNvPr>
@@ -46604,7 +46570,7 @@
           <p:cNvPr id="85" name="TextBox 84">
             <a:extLst>
               <a:ext uri="{FF2B5EF4-FFF2-40B4-BE49-F238E27FC236}">
-                <a16:creationId xmlns="" xmlns:a16="http://schemas.microsoft.com/office/drawing/2014/main" id="{E5E54607-3BEC-458E-B4FE-7DB065A67E2C}"/>
+                <a16:creationId xmlns:a16="http://schemas.microsoft.com/office/drawing/2014/main" xmlns="" id="{E5E54607-3BEC-458E-B4FE-7DB065A67E2C}"/>
               </a:ext>
             </a:extLst>
           </p:cNvPr>
@@ -46671,7 +46637,7 @@
           <p:cNvPr id="86" name="TextBox 85">
             <a:extLst>
               <a:ext uri="{FF2B5EF4-FFF2-40B4-BE49-F238E27FC236}">
-                <a16:creationId xmlns="" xmlns:a16="http://schemas.microsoft.com/office/drawing/2014/main" id="{BCA5FBD4-D95A-432E-AEEB-614C3B9DA45B}"/>
+                <a16:creationId xmlns:a16="http://schemas.microsoft.com/office/drawing/2014/main" xmlns="" id="{BCA5FBD4-D95A-432E-AEEB-614C3B9DA45B}"/>
               </a:ext>
             </a:extLst>
           </p:cNvPr>
@@ -46758,7 +46724,7 @@
           <p:cNvPr id="88" name="TextBox 87">
             <a:extLst>
               <a:ext uri="{FF2B5EF4-FFF2-40B4-BE49-F238E27FC236}">
-                <a16:creationId xmlns="" xmlns:a16="http://schemas.microsoft.com/office/drawing/2014/main" id="{BF88C297-16B0-4D4B-8967-03E94E623EA4}"/>
+                <a16:creationId xmlns:a16="http://schemas.microsoft.com/office/drawing/2014/main" xmlns="" id="{BF88C297-16B0-4D4B-8967-03E94E623EA4}"/>
               </a:ext>
             </a:extLst>
           </p:cNvPr>
@@ -46845,7 +46811,7 @@
           <p:cNvPr id="89" name="TextBox 88">
             <a:extLst>
               <a:ext uri="{FF2B5EF4-FFF2-40B4-BE49-F238E27FC236}">
-                <a16:creationId xmlns="" xmlns:a16="http://schemas.microsoft.com/office/drawing/2014/main" id="{103E2CD6-3F36-4312-8299-A62A8CECD383}"/>
+                <a16:creationId xmlns:a16="http://schemas.microsoft.com/office/drawing/2014/main" xmlns="" id="{103E2CD6-3F36-4312-8299-A62A8CECD383}"/>
               </a:ext>
             </a:extLst>
           </p:cNvPr>
@@ -46918,7 +46884,7 @@
           <p:cNvPr id="90" name="TextBox 89">
             <a:extLst>
               <a:ext uri="{FF2B5EF4-FFF2-40B4-BE49-F238E27FC236}">
-                <a16:creationId xmlns="" xmlns:a16="http://schemas.microsoft.com/office/drawing/2014/main" id="{57B49B69-B9A3-40BA-8CA5-3E250C770847}"/>
+                <a16:creationId xmlns:a16="http://schemas.microsoft.com/office/drawing/2014/main" xmlns="" id="{57B49B69-B9A3-40BA-8CA5-3E250C770847}"/>
               </a:ext>
             </a:extLst>
           </p:cNvPr>
@@ -47359,7 +47325,7 @@
   <a:extraClrSchemeLst/>
   <a:extLst>
     <a:ext uri="{05A4C25C-085E-4340-85A3-A5531E510DB2}">
-      <thm15:themeFamily xmlns:thm15="http://schemas.microsoft.com/office/thememl/2012/main" xmlns="" name="Office Theme" id="{62F939B6-93AF-4DB8-9C6B-D6C7DFDC589F}" vid="{4A3C46E8-61CC-4603-A589-7422A47A8E4A}"/>
+      <thm15:themeFamily xmlns="" xmlns:thm15="http://schemas.microsoft.com/office/thememl/2012/main" name="Office Theme" id="{62F939B6-93AF-4DB8-9C6B-D6C7DFDC589F}" vid="{4A3C46E8-61CC-4603-A589-7422A47A8E4A}"/>
     </a:ext>
   </a:extLst>
 </a:theme>
